--- a/Evidencia/Presentación1.pptx
+++ b/Evidencia/Presentación1.pptx
@@ -4,6 +4,9 @@
   <p:sldMasterIdLst>
     <p:sldMasterId id="2147483648" r:id="rId1"/>
   </p:sldMasterIdLst>
+  <p:notesMasterIdLst>
+    <p:notesMasterId r:id="rId4"/>
+  </p:notesMasterIdLst>
   <p:sldIdLst>
     <p:sldId id="256" r:id="rId2"/>
     <p:sldId id="257" r:id="rId3"/>
@@ -113,6 +116,356 @@
 </p:presentation>
 </file>
 
+<file path=ppt/notesMasters/notesMaster1.xml><?xml version="1.0" encoding="utf-8"?>
+<p:notesMaster xmlns:a="http://schemas.openxmlformats.org/drawingml/2006/main" xmlns:r="http://schemas.openxmlformats.org/officeDocument/2006/relationships" xmlns:p="http://schemas.openxmlformats.org/presentationml/2006/main">
+  <p:cSld>
+    <p:bg>
+      <p:bgRef idx="1001">
+        <a:schemeClr val="bg1"/>
+      </p:bgRef>
+    </p:bg>
+    <p:spTree>
+      <p:nvGrpSpPr>
+        <p:cNvPr id="1" name=""/>
+        <p:cNvGrpSpPr/>
+        <p:nvPr/>
+      </p:nvGrpSpPr>
+      <p:grpSpPr>
+        <a:xfrm>
+          <a:off x="0" y="0"/>
+          <a:ext cx="0" cy="0"/>
+          <a:chOff x="0" y="0"/>
+          <a:chExt cx="0" cy="0"/>
+        </a:xfrm>
+      </p:grpSpPr>
+      <p:sp>
+        <p:nvSpPr>
+          <p:cNvPr id="2" name="Marcador de encabezado 1"/>
+          <p:cNvSpPr>
+            <a:spLocks noGrp="1"/>
+          </p:cNvSpPr>
+          <p:nvPr>
+            <p:ph type="hdr" sz="quarter"/>
+          </p:nvPr>
+        </p:nvSpPr>
+        <p:spPr>
+          <a:xfrm>
+            <a:off x="0" y="0"/>
+            <a:ext cx="2971800" cy="458788"/>
+          </a:xfrm>
+          <a:prstGeom prst="rect">
+            <a:avLst/>
+          </a:prstGeom>
+        </p:spPr>
+        <p:txBody>
+          <a:bodyPr vert="horz" lIns="91440" tIns="45720" rIns="91440" bIns="45720" rtlCol="0"/>
+          <a:lstStyle>
+            <a:lvl1pPr algn="l">
+              <a:defRPr sz="1200"/>
+            </a:lvl1pPr>
+          </a:lstStyle>
+          <a:p>
+            <a:endParaRPr lang="es-CO"/>
+          </a:p>
+        </p:txBody>
+      </p:sp>
+      <p:sp>
+        <p:nvSpPr>
+          <p:cNvPr id="3" name="Marcador de fecha 2"/>
+          <p:cNvSpPr>
+            <a:spLocks noGrp="1"/>
+          </p:cNvSpPr>
+          <p:nvPr>
+            <p:ph type="dt" idx="1"/>
+          </p:nvPr>
+        </p:nvSpPr>
+        <p:spPr>
+          <a:xfrm>
+            <a:off x="3884613" y="0"/>
+            <a:ext cx="2971800" cy="458788"/>
+          </a:xfrm>
+          <a:prstGeom prst="rect">
+            <a:avLst/>
+          </a:prstGeom>
+        </p:spPr>
+        <p:txBody>
+          <a:bodyPr vert="horz" lIns="91440" tIns="45720" rIns="91440" bIns="45720" rtlCol="0"/>
+          <a:lstStyle>
+            <a:lvl1pPr algn="r">
+              <a:defRPr sz="1200"/>
+            </a:lvl1pPr>
+          </a:lstStyle>
+          <a:p>
+            <a:fld id="{2DE8A928-67ED-4FF0-9D3F-8B8236081770}" type="datetimeFigureOut">
+              <a:rPr lang="es-CO" smtClean="0"/>
+              <a:t>29/03/2024</a:t>
+            </a:fld>
+            <a:endParaRPr lang="es-CO"/>
+          </a:p>
+        </p:txBody>
+      </p:sp>
+      <p:sp>
+        <p:nvSpPr>
+          <p:cNvPr id="4" name="Marcador de imagen de diapositiva 3"/>
+          <p:cNvSpPr>
+            <a:spLocks noGrp="1" noRot="1" noChangeAspect="1"/>
+          </p:cNvSpPr>
+          <p:nvPr>
+            <p:ph type="sldImg" idx="2"/>
+          </p:nvPr>
+        </p:nvSpPr>
+        <p:spPr>
+          <a:xfrm>
+            <a:off x="685800" y="1143000"/>
+            <a:ext cx="5486400" cy="3086100"/>
+          </a:xfrm>
+          <a:prstGeom prst="rect">
+            <a:avLst/>
+          </a:prstGeom>
+          <a:noFill/>
+          <a:ln w="12700">
+            <a:solidFill>
+              <a:prstClr val="black"/>
+            </a:solidFill>
+          </a:ln>
+        </p:spPr>
+        <p:txBody>
+          <a:bodyPr vert="horz" lIns="91440" tIns="45720" rIns="91440" bIns="45720" rtlCol="0" anchor="ctr"/>
+          <a:lstStyle/>
+          <a:p>
+            <a:endParaRPr lang="es-CO"/>
+          </a:p>
+        </p:txBody>
+      </p:sp>
+      <p:sp>
+        <p:nvSpPr>
+          <p:cNvPr id="5" name="Marcador de notas 4"/>
+          <p:cNvSpPr>
+            <a:spLocks noGrp="1"/>
+          </p:cNvSpPr>
+          <p:nvPr>
+            <p:ph type="body" sz="quarter" idx="3"/>
+          </p:nvPr>
+        </p:nvSpPr>
+        <p:spPr>
+          <a:xfrm>
+            <a:off x="685800" y="4400550"/>
+            <a:ext cx="5486400" cy="3600450"/>
+          </a:xfrm>
+          <a:prstGeom prst="rect">
+            <a:avLst/>
+          </a:prstGeom>
+        </p:spPr>
+        <p:txBody>
+          <a:bodyPr vert="horz" lIns="91440" tIns="45720" rIns="91440" bIns="45720" rtlCol="0"/>
+          <a:lstStyle/>
+          <a:p>
+            <a:pPr lvl="0"/>
+            <a:r>
+              <a:rPr lang="es-ES"/>
+              <a:t>Haga clic para modificar los estilos de texto del patrón</a:t>
+            </a:r>
+          </a:p>
+          <a:p>
+            <a:pPr lvl="1"/>
+            <a:r>
+              <a:rPr lang="es-ES"/>
+              <a:t>Segundo nivel</a:t>
+            </a:r>
+          </a:p>
+          <a:p>
+            <a:pPr lvl="2"/>
+            <a:r>
+              <a:rPr lang="es-ES"/>
+              <a:t>Tercer nivel</a:t>
+            </a:r>
+          </a:p>
+          <a:p>
+            <a:pPr lvl="3"/>
+            <a:r>
+              <a:rPr lang="es-ES"/>
+              <a:t>Cuarto nivel</a:t>
+            </a:r>
+          </a:p>
+          <a:p>
+            <a:pPr lvl="4"/>
+            <a:r>
+              <a:rPr lang="es-ES"/>
+              <a:t>Quinto nivel</a:t>
+            </a:r>
+            <a:endParaRPr lang="es-CO"/>
+          </a:p>
+        </p:txBody>
+      </p:sp>
+      <p:sp>
+        <p:nvSpPr>
+          <p:cNvPr id="6" name="Marcador de pie de página 5"/>
+          <p:cNvSpPr>
+            <a:spLocks noGrp="1"/>
+          </p:cNvSpPr>
+          <p:nvPr>
+            <p:ph type="ftr" sz="quarter" idx="4"/>
+          </p:nvPr>
+        </p:nvSpPr>
+        <p:spPr>
+          <a:xfrm>
+            <a:off x="0" y="8685213"/>
+            <a:ext cx="2971800" cy="458787"/>
+          </a:xfrm>
+          <a:prstGeom prst="rect">
+            <a:avLst/>
+          </a:prstGeom>
+        </p:spPr>
+        <p:txBody>
+          <a:bodyPr vert="horz" lIns="91440" tIns="45720" rIns="91440" bIns="45720" rtlCol="0" anchor="b"/>
+          <a:lstStyle>
+            <a:lvl1pPr algn="l">
+              <a:defRPr sz="1200"/>
+            </a:lvl1pPr>
+          </a:lstStyle>
+          <a:p>
+            <a:endParaRPr lang="es-CO"/>
+          </a:p>
+        </p:txBody>
+      </p:sp>
+      <p:sp>
+        <p:nvSpPr>
+          <p:cNvPr id="7" name="Marcador de número de diapositiva 6"/>
+          <p:cNvSpPr>
+            <a:spLocks noGrp="1"/>
+          </p:cNvSpPr>
+          <p:nvPr>
+            <p:ph type="sldNum" sz="quarter" idx="5"/>
+          </p:nvPr>
+        </p:nvSpPr>
+        <p:spPr>
+          <a:xfrm>
+            <a:off x="3884613" y="8685213"/>
+            <a:ext cx="2971800" cy="458787"/>
+          </a:xfrm>
+          <a:prstGeom prst="rect">
+            <a:avLst/>
+          </a:prstGeom>
+        </p:spPr>
+        <p:txBody>
+          <a:bodyPr vert="horz" lIns="91440" tIns="45720" rIns="91440" bIns="45720" rtlCol="0" anchor="b"/>
+          <a:lstStyle>
+            <a:lvl1pPr algn="r">
+              <a:defRPr sz="1200"/>
+            </a:lvl1pPr>
+          </a:lstStyle>
+          <a:p>
+            <a:fld id="{1B685319-E936-4D85-890B-5889BD7193FD}" type="slidenum">
+              <a:rPr lang="es-CO" smtClean="0"/>
+              <a:t>‹Nº›</a:t>
+            </a:fld>
+            <a:endParaRPr lang="es-CO"/>
+          </a:p>
+        </p:txBody>
+      </p:sp>
+    </p:spTree>
+    <p:extLst>
+      <p:ext uri="{BB962C8B-B14F-4D97-AF65-F5344CB8AC3E}">
+        <p14:creationId xmlns:p14="http://schemas.microsoft.com/office/powerpoint/2010/main" val="1277622538"/>
+      </p:ext>
+    </p:extLst>
+  </p:cSld>
+  <p:clrMap bg1="lt1" tx1="dk1" bg2="lt2" tx2="dk2" accent1="accent1" accent2="accent2" accent3="accent3" accent4="accent4" accent5="accent5" accent6="accent6" hlink="hlink" folHlink="folHlink"/>
+  <p:notesStyle>
+    <a:lvl1pPr marL="0" algn="l" defTabSz="914400" rtl="0" eaLnBrk="1" latinLnBrk="0" hangingPunct="1">
+      <a:defRPr sz="1200" kern="1200">
+        <a:solidFill>
+          <a:schemeClr val="tx1"/>
+        </a:solidFill>
+        <a:latin typeface="+mn-lt"/>
+        <a:ea typeface="+mn-ea"/>
+        <a:cs typeface="+mn-cs"/>
+      </a:defRPr>
+    </a:lvl1pPr>
+    <a:lvl2pPr marL="457200" algn="l" defTabSz="914400" rtl="0" eaLnBrk="1" latinLnBrk="0" hangingPunct="1">
+      <a:defRPr sz="1200" kern="1200">
+        <a:solidFill>
+          <a:schemeClr val="tx1"/>
+        </a:solidFill>
+        <a:latin typeface="+mn-lt"/>
+        <a:ea typeface="+mn-ea"/>
+        <a:cs typeface="+mn-cs"/>
+      </a:defRPr>
+    </a:lvl2pPr>
+    <a:lvl3pPr marL="914400" algn="l" defTabSz="914400" rtl="0" eaLnBrk="1" latinLnBrk="0" hangingPunct="1">
+      <a:defRPr sz="1200" kern="1200">
+        <a:solidFill>
+          <a:schemeClr val="tx1"/>
+        </a:solidFill>
+        <a:latin typeface="+mn-lt"/>
+        <a:ea typeface="+mn-ea"/>
+        <a:cs typeface="+mn-cs"/>
+      </a:defRPr>
+    </a:lvl3pPr>
+    <a:lvl4pPr marL="1371600" algn="l" defTabSz="914400" rtl="0" eaLnBrk="1" latinLnBrk="0" hangingPunct="1">
+      <a:defRPr sz="1200" kern="1200">
+        <a:solidFill>
+          <a:schemeClr val="tx1"/>
+        </a:solidFill>
+        <a:latin typeface="+mn-lt"/>
+        <a:ea typeface="+mn-ea"/>
+        <a:cs typeface="+mn-cs"/>
+      </a:defRPr>
+    </a:lvl4pPr>
+    <a:lvl5pPr marL="1828800" algn="l" defTabSz="914400" rtl="0" eaLnBrk="1" latinLnBrk="0" hangingPunct="1">
+      <a:defRPr sz="1200" kern="1200">
+        <a:solidFill>
+          <a:schemeClr val="tx1"/>
+        </a:solidFill>
+        <a:latin typeface="+mn-lt"/>
+        <a:ea typeface="+mn-ea"/>
+        <a:cs typeface="+mn-cs"/>
+      </a:defRPr>
+    </a:lvl5pPr>
+    <a:lvl6pPr marL="2286000" algn="l" defTabSz="914400" rtl="0" eaLnBrk="1" latinLnBrk="0" hangingPunct="1">
+      <a:defRPr sz="1200" kern="1200">
+        <a:solidFill>
+          <a:schemeClr val="tx1"/>
+        </a:solidFill>
+        <a:latin typeface="+mn-lt"/>
+        <a:ea typeface="+mn-ea"/>
+        <a:cs typeface="+mn-cs"/>
+      </a:defRPr>
+    </a:lvl6pPr>
+    <a:lvl7pPr marL="2743200" algn="l" defTabSz="914400" rtl="0" eaLnBrk="1" latinLnBrk="0" hangingPunct="1">
+      <a:defRPr sz="1200" kern="1200">
+        <a:solidFill>
+          <a:schemeClr val="tx1"/>
+        </a:solidFill>
+        <a:latin typeface="+mn-lt"/>
+        <a:ea typeface="+mn-ea"/>
+        <a:cs typeface="+mn-cs"/>
+      </a:defRPr>
+    </a:lvl7pPr>
+    <a:lvl8pPr marL="3200400" algn="l" defTabSz="914400" rtl="0" eaLnBrk="1" latinLnBrk="0" hangingPunct="1">
+      <a:defRPr sz="1200" kern="1200">
+        <a:solidFill>
+          <a:schemeClr val="tx1"/>
+        </a:solidFill>
+        <a:latin typeface="+mn-lt"/>
+        <a:ea typeface="+mn-ea"/>
+        <a:cs typeface="+mn-cs"/>
+      </a:defRPr>
+    </a:lvl8pPr>
+    <a:lvl9pPr marL="3657600" algn="l" defTabSz="914400" rtl="0" eaLnBrk="1" latinLnBrk="0" hangingPunct="1">
+      <a:defRPr sz="1200" kern="1200">
+        <a:solidFill>
+          <a:schemeClr val="tx1"/>
+        </a:solidFill>
+        <a:latin typeface="+mn-lt"/>
+        <a:ea typeface="+mn-ea"/>
+        <a:cs typeface="+mn-cs"/>
+      </a:defRPr>
+    </a:lvl9pPr>
+  </p:notesStyle>
+</p:notesMaster>
+</file>
+
 <file path=ppt/slideLayouts/slideLayout1.xml><?xml version="1.0" encoding="utf-8"?>
 <p:sldLayout xmlns:a="http://schemas.openxmlformats.org/drawingml/2006/main" xmlns:r="http://schemas.openxmlformats.org/officeDocument/2006/relationships" xmlns:p="http://schemas.openxmlformats.org/presentationml/2006/main" type="title" preserve="1">
   <p:cSld name="Diapositiva de título">
@@ -262,7 +615,7 @@
           <a:p>
             <a:fld id="{812133C8-18D8-4A11-BCB4-3EC7BA3DC30F}" type="datetimeFigureOut">
               <a:rPr lang="es-CO" smtClean="0"/>
-              <a:t>21/03/2024</a:t>
+              <a:t>29/03/2024</a:t>
             </a:fld>
             <a:endParaRPr lang="es-CO"/>
           </a:p>
@@ -462,7 +815,7 @@
           <a:p>
             <a:fld id="{812133C8-18D8-4A11-BCB4-3EC7BA3DC30F}" type="datetimeFigureOut">
               <a:rPr lang="es-CO" smtClean="0"/>
-              <a:t>21/03/2024</a:t>
+              <a:t>29/03/2024</a:t>
             </a:fld>
             <a:endParaRPr lang="es-CO"/>
           </a:p>
@@ -672,7 +1025,7 @@
           <a:p>
             <a:fld id="{812133C8-18D8-4A11-BCB4-3EC7BA3DC30F}" type="datetimeFigureOut">
               <a:rPr lang="es-CO" smtClean="0"/>
-              <a:t>21/03/2024</a:t>
+              <a:t>29/03/2024</a:t>
             </a:fld>
             <a:endParaRPr lang="es-CO"/>
           </a:p>
@@ -872,7 +1225,7 @@
           <a:p>
             <a:fld id="{812133C8-18D8-4A11-BCB4-3EC7BA3DC30F}" type="datetimeFigureOut">
               <a:rPr lang="es-CO" smtClean="0"/>
-              <a:t>21/03/2024</a:t>
+              <a:t>29/03/2024</a:t>
             </a:fld>
             <a:endParaRPr lang="es-CO"/>
           </a:p>
@@ -1148,7 +1501,7 @@
           <a:p>
             <a:fld id="{812133C8-18D8-4A11-BCB4-3EC7BA3DC30F}" type="datetimeFigureOut">
               <a:rPr lang="es-CO" smtClean="0"/>
-              <a:t>21/03/2024</a:t>
+              <a:t>29/03/2024</a:t>
             </a:fld>
             <a:endParaRPr lang="es-CO"/>
           </a:p>
@@ -1416,7 +1769,7 @@
           <a:p>
             <a:fld id="{812133C8-18D8-4A11-BCB4-3EC7BA3DC30F}" type="datetimeFigureOut">
               <a:rPr lang="es-CO" smtClean="0"/>
-              <a:t>21/03/2024</a:t>
+              <a:t>29/03/2024</a:t>
             </a:fld>
             <a:endParaRPr lang="es-CO"/>
           </a:p>
@@ -1831,7 +2184,7 @@
           <a:p>
             <a:fld id="{812133C8-18D8-4A11-BCB4-3EC7BA3DC30F}" type="datetimeFigureOut">
               <a:rPr lang="es-CO" smtClean="0"/>
-              <a:t>21/03/2024</a:t>
+              <a:t>29/03/2024</a:t>
             </a:fld>
             <a:endParaRPr lang="es-CO"/>
           </a:p>
@@ -1973,7 +2326,7 @@
           <a:p>
             <a:fld id="{812133C8-18D8-4A11-BCB4-3EC7BA3DC30F}" type="datetimeFigureOut">
               <a:rPr lang="es-CO" smtClean="0"/>
-              <a:t>21/03/2024</a:t>
+              <a:t>29/03/2024</a:t>
             </a:fld>
             <a:endParaRPr lang="es-CO"/>
           </a:p>
@@ -2086,7 +2439,7 @@
           <a:p>
             <a:fld id="{812133C8-18D8-4A11-BCB4-3EC7BA3DC30F}" type="datetimeFigureOut">
               <a:rPr lang="es-CO" smtClean="0"/>
-              <a:t>21/03/2024</a:t>
+              <a:t>29/03/2024</a:t>
             </a:fld>
             <a:endParaRPr lang="es-CO"/>
           </a:p>
@@ -2399,7 +2752,7 @@
           <a:p>
             <a:fld id="{812133C8-18D8-4A11-BCB4-3EC7BA3DC30F}" type="datetimeFigureOut">
               <a:rPr lang="es-CO" smtClean="0"/>
-              <a:t>21/03/2024</a:t>
+              <a:t>29/03/2024</a:t>
             </a:fld>
             <a:endParaRPr lang="es-CO"/>
           </a:p>
@@ -2688,7 +3041,7 @@
           <a:p>
             <a:fld id="{812133C8-18D8-4A11-BCB4-3EC7BA3DC30F}" type="datetimeFigureOut">
               <a:rPr lang="es-CO" smtClean="0"/>
-              <a:t>21/03/2024</a:t>
+              <a:t>29/03/2024</a:t>
             </a:fld>
             <a:endParaRPr lang="es-CO"/>
           </a:p>
@@ -2931,7 +3284,7 @@
           <a:p>
             <a:fld id="{812133C8-18D8-4A11-BCB4-3EC7BA3DC30F}" type="datetimeFigureOut">
               <a:rPr lang="es-CO" smtClean="0"/>
-              <a:t>21/03/2024</a:t>
+              <a:t>29/03/2024</a:t>
             </a:fld>
             <a:endParaRPr lang="es-CO"/>
           </a:p>
@@ -5254,10 +5607,145 @@
       </p:grpSpPr>
       <p:cxnSp>
         <p:nvCxnSpPr>
-          <p:cNvPr id="1289" name="Conector recto 1288">
-            <a:extLst>
-              <a:ext uri="{FF2B5EF4-FFF2-40B4-BE49-F238E27FC236}">
-                <a16:creationId xmlns:a16="http://schemas.microsoft.com/office/drawing/2014/main" id="{4A6F8B09-FD8B-96F7-BFE0-3E095E047F5B}"/>
+          <p:cNvPr id="52" name="Conector recto 51">
+            <a:extLst>
+              <a:ext uri="{FF2B5EF4-FFF2-40B4-BE49-F238E27FC236}">
+                <a16:creationId xmlns:a16="http://schemas.microsoft.com/office/drawing/2014/main" id="{6B401504-5443-1A3D-5F05-2CC891868B2E}"/>
+              </a:ext>
+            </a:extLst>
+          </p:cNvPr>
+          <p:cNvCxnSpPr>
+            <a:cxnSpLocks/>
+          </p:cNvCxnSpPr>
+          <p:nvPr/>
+        </p:nvCxnSpPr>
+        <p:spPr>
+          <a:xfrm flipV="1">
+            <a:off x="4199070" y="2405597"/>
+            <a:ext cx="3638242" cy="185066"/>
+          </a:xfrm>
+          <a:prstGeom prst="bentConnector3">
+            <a:avLst>
+              <a:gd name="adj1" fmla="val 39702"/>
+            </a:avLst>
+          </a:prstGeom>
+          <a:ln w="28575">
+            <a:solidFill>
+              <a:schemeClr val="tx1"/>
+            </a:solidFill>
+          </a:ln>
+        </p:spPr>
+        <p:style>
+          <a:lnRef idx="2">
+            <a:schemeClr val="accent1"/>
+          </a:lnRef>
+          <a:fillRef idx="0">
+            <a:schemeClr val="accent1"/>
+          </a:fillRef>
+          <a:effectRef idx="1">
+            <a:schemeClr val="accent1"/>
+          </a:effectRef>
+          <a:fontRef idx="minor">
+            <a:schemeClr val="tx1"/>
+          </a:fontRef>
+        </p:style>
+      </p:cxnSp>
+      <p:cxnSp>
+        <p:nvCxnSpPr>
+          <p:cNvPr id="51" name="Conector recto 50">
+            <a:extLst>
+              <a:ext uri="{FF2B5EF4-FFF2-40B4-BE49-F238E27FC236}">
+                <a16:creationId xmlns:a16="http://schemas.microsoft.com/office/drawing/2014/main" id="{D9614C17-BADE-C75B-352C-4A2EF1C39452}"/>
+              </a:ext>
+            </a:extLst>
+          </p:cNvPr>
+          <p:cNvCxnSpPr>
+            <a:cxnSpLocks/>
+          </p:cNvCxnSpPr>
+          <p:nvPr/>
+        </p:nvCxnSpPr>
+        <p:spPr>
+          <a:xfrm flipV="1">
+            <a:off x="4156083" y="2348389"/>
+            <a:ext cx="3622840" cy="104899"/>
+          </a:xfrm>
+          <a:prstGeom prst="bentConnector3">
+            <a:avLst>
+              <a:gd name="adj1" fmla="val 38256"/>
+            </a:avLst>
+          </a:prstGeom>
+          <a:ln w="28575">
+            <a:solidFill>
+              <a:schemeClr val="tx1"/>
+            </a:solidFill>
+          </a:ln>
+        </p:spPr>
+        <p:style>
+          <a:lnRef idx="2">
+            <a:schemeClr val="accent1"/>
+          </a:lnRef>
+          <a:fillRef idx="0">
+            <a:schemeClr val="accent1"/>
+          </a:fillRef>
+          <a:effectRef idx="1">
+            <a:schemeClr val="accent1"/>
+          </a:effectRef>
+          <a:fontRef idx="minor">
+            <a:schemeClr val="tx1"/>
+          </a:fontRef>
+        </p:style>
+      </p:cxnSp>
+      <p:cxnSp>
+        <p:nvCxnSpPr>
+          <p:cNvPr id="50" name="Conector recto 49">
+            <a:extLst>
+              <a:ext uri="{FF2B5EF4-FFF2-40B4-BE49-F238E27FC236}">
+                <a16:creationId xmlns:a16="http://schemas.microsoft.com/office/drawing/2014/main" id="{05212CA6-4F15-202F-51BF-646FE66F4CC0}"/>
+              </a:ext>
+            </a:extLst>
+          </p:cNvPr>
+          <p:cNvCxnSpPr>
+            <a:cxnSpLocks/>
+          </p:cNvCxnSpPr>
+          <p:nvPr/>
+        </p:nvCxnSpPr>
+        <p:spPr>
+          <a:xfrm flipV="1">
+            <a:off x="4112081" y="2245029"/>
+            <a:ext cx="3598476" cy="93959"/>
+          </a:xfrm>
+          <a:prstGeom prst="bentConnector3">
+            <a:avLst>
+              <a:gd name="adj1" fmla="val 35971"/>
+            </a:avLst>
+          </a:prstGeom>
+          <a:ln w="28575">
+            <a:solidFill>
+              <a:schemeClr val="tx1"/>
+            </a:solidFill>
+          </a:ln>
+        </p:spPr>
+        <p:style>
+          <a:lnRef idx="2">
+            <a:schemeClr val="accent1"/>
+          </a:lnRef>
+          <a:fillRef idx="0">
+            <a:schemeClr val="accent1"/>
+          </a:fillRef>
+          <a:effectRef idx="1">
+            <a:schemeClr val="accent1"/>
+          </a:effectRef>
+          <a:fontRef idx="minor">
+            <a:schemeClr val="tx1"/>
+          </a:fontRef>
+        </p:style>
+      </p:cxnSp>
+      <p:cxnSp>
+        <p:nvCxnSpPr>
+          <p:cNvPr id="49" name="Conector recto 48">
+            <a:extLst>
+              <a:ext uri="{FF2B5EF4-FFF2-40B4-BE49-F238E27FC236}">
+                <a16:creationId xmlns:a16="http://schemas.microsoft.com/office/drawing/2014/main" id="{FBBBCE1E-058D-B099-CCFA-AF1B34DB85F0}"/>
               </a:ext>
             </a:extLst>
           </p:cNvPr>
@@ -5268,8 +5756,94 @@
         </p:nvCxnSpPr>
         <p:spPr>
           <a:xfrm>
-            <a:off x="5290545" y="1882549"/>
-            <a:ext cx="2546767" cy="0"/>
+            <a:off x="4112081" y="2197636"/>
+            <a:ext cx="3613861" cy="0"/>
+          </a:xfrm>
+          <a:prstGeom prst="line">
+            <a:avLst/>
+          </a:prstGeom>
+          <a:ln w="28575">
+            <a:solidFill>
+              <a:schemeClr val="tx1"/>
+            </a:solidFill>
+          </a:ln>
+        </p:spPr>
+        <p:style>
+          <a:lnRef idx="2">
+            <a:schemeClr val="accent1"/>
+          </a:lnRef>
+          <a:fillRef idx="0">
+            <a:schemeClr val="accent1"/>
+          </a:fillRef>
+          <a:effectRef idx="1">
+            <a:schemeClr val="accent1"/>
+          </a:effectRef>
+          <a:fontRef idx="minor">
+            <a:schemeClr val="tx1"/>
+          </a:fontRef>
+        </p:style>
+      </p:cxnSp>
+      <p:cxnSp>
+        <p:nvCxnSpPr>
+          <p:cNvPr id="48" name="Conector recto 47">
+            <a:extLst>
+              <a:ext uri="{FF2B5EF4-FFF2-40B4-BE49-F238E27FC236}">
+                <a16:creationId xmlns:a16="http://schemas.microsoft.com/office/drawing/2014/main" id="{6001CD11-976C-5EB6-DEB0-1002C4512AB2}"/>
+              </a:ext>
+            </a:extLst>
+          </p:cNvPr>
+          <p:cNvCxnSpPr>
+            <a:cxnSpLocks/>
+          </p:cNvCxnSpPr>
+          <p:nvPr/>
+        </p:nvCxnSpPr>
+        <p:spPr>
+          <a:xfrm>
+            <a:off x="4165062" y="2073164"/>
+            <a:ext cx="3613861" cy="0"/>
+          </a:xfrm>
+          <a:prstGeom prst="line">
+            <a:avLst/>
+          </a:prstGeom>
+          <a:ln w="28575">
+            <a:solidFill>
+              <a:schemeClr val="tx1"/>
+            </a:solidFill>
+          </a:ln>
+        </p:spPr>
+        <p:style>
+          <a:lnRef idx="2">
+            <a:schemeClr val="accent1"/>
+          </a:lnRef>
+          <a:fillRef idx="0">
+            <a:schemeClr val="accent1"/>
+          </a:fillRef>
+          <a:effectRef idx="1">
+            <a:schemeClr val="accent1"/>
+          </a:effectRef>
+          <a:fontRef idx="minor">
+            <a:schemeClr val="tx1"/>
+          </a:fontRef>
+        </p:style>
+      </p:cxnSp>
+      <p:cxnSp>
+        <p:nvCxnSpPr>
+          <p:cNvPr id="1289" name="Conector recto 1288">
+            <a:extLst>
+              <a:ext uri="{FF2B5EF4-FFF2-40B4-BE49-F238E27FC236}">
+                <a16:creationId xmlns:a16="http://schemas.microsoft.com/office/drawing/2014/main" id="{4A6F8B09-FD8B-96F7-BFE0-3E095E047F5B}"/>
+              </a:ext>
+            </a:extLst>
+          </p:cNvPr>
+          <p:cNvCxnSpPr>
+            <a:cxnSpLocks/>
+          </p:cNvCxnSpPr>
+          <p:nvPr/>
+        </p:nvCxnSpPr>
+        <p:spPr>
+          <a:xfrm flipV="1">
+            <a:off x="4073596" y="1812060"/>
+            <a:ext cx="3422278" cy="13294"/>
           </a:xfrm>
           <a:prstGeom prst="line">
             <a:avLst/>
@@ -5311,223 +5885,8 @@
         </p:nvCxnSpPr>
         <p:spPr>
           <a:xfrm>
-            <a:off x="5288110" y="1954549"/>
-            <a:ext cx="2546767" cy="0"/>
-          </a:xfrm>
-          <a:prstGeom prst="line">
-            <a:avLst/>
-          </a:prstGeom>
-          <a:ln w="28575">
-            <a:solidFill>
-              <a:schemeClr val="tx1"/>
-            </a:solidFill>
-          </a:ln>
-        </p:spPr>
-        <p:style>
-          <a:lnRef idx="2">
-            <a:schemeClr val="accent1"/>
-          </a:lnRef>
-          <a:fillRef idx="0">
-            <a:schemeClr val="accent1"/>
-          </a:fillRef>
-          <a:effectRef idx="1">
-            <a:schemeClr val="accent1"/>
-          </a:effectRef>
-          <a:fontRef idx="minor">
-            <a:schemeClr val="tx1"/>
-          </a:fontRef>
-        </p:style>
-      </p:cxnSp>
-      <p:cxnSp>
-        <p:nvCxnSpPr>
-          <p:cNvPr id="1292" name="Conector recto 1291">
-            <a:extLst>
-              <a:ext uri="{FF2B5EF4-FFF2-40B4-BE49-F238E27FC236}">
-                <a16:creationId xmlns:a16="http://schemas.microsoft.com/office/drawing/2014/main" id="{DD93BCA7-8958-6A2B-FEAC-3689B7D81C9C}"/>
-              </a:ext>
-            </a:extLst>
-          </p:cNvPr>
-          <p:cNvCxnSpPr>
-            <a:cxnSpLocks/>
-          </p:cNvCxnSpPr>
-          <p:nvPr/>
-        </p:nvCxnSpPr>
-        <p:spPr>
-          <a:xfrm>
-            <a:off x="5288110" y="2017363"/>
-            <a:ext cx="2546767" cy="0"/>
-          </a:xfrm>
-          <a:prstGeom prst="line">
-            <a:avLst/>
-          </a:prstGeom>
-          <a:ln w="28575">
-            <a:solidFill>
-              <a:schemeClr val="tx1"/>
-            </a:solidFill>
-          </a:ln>
-        </p:spPr>
-        <p:style>
-          <a:lnRef idx="2">
-            <a:schemeClr val="accent1"/>
-          </a:lnRef>
-          <a:fillRef idx="0">
-            <a:schemeClr val="accent1"/>
-          </a:fillRef>
-          <a:effectRef idx="1">
-            <a:schemeClr val="accent1"/>
-          </a:effectRef>
-          <a:fontRef idx="minor">
-            <a:schemeClr val="tx1"/>
-          </a:fontRef>
-        </p:style>
-      </p:cxnSp>
-      <p:cxnSp>
-        <p:nvCxnSpPr>
-          <p:cNvPr id="1293" name="Conector recto 1292">
-            <a:extLst>
-              <a:ext uri="{FF2B5EF4-FFF2-40B4-BE49-F238E27FC236}">
-                <a16:creationId xmlns:a16="http://schemas.microsoft.com/office/drawing/2014/main" id="{19BD78CD-F450-5EE2-0B75-79E71B9B8BBB}"/>
-              </a:ext>
-            </a:extLst>
-          </p:cNvPr>
-          <p:cNvCxnSpPr>
-            <a:cxnSpLocks/>
-          </p:cNvCxnSpPr>
-          <p:nvPr/>
-        </p:nvCxnSpPr>
-        <p:spPr>
-          <a:xfrm>
-            <a:off x="5288109" y="2094068"/>
-            <a:ext cx="2546767" cy="0"/>
-          </a:xfrm>
-          <a:prstGeom prst="line">
-            <a:avLst/>
-          </a:prstGeom>
-          <a:ln w="28575">
-            <a:solidFill>
-              <a:schemeClr val="tx1"/>
-            </a:solidFill>
-          </a:ln>
-        </p:spPr>
-        <p:style>
-          <a:lnRef idx="2">
-            <a:schemeClr val="accent1"/>
-          </a:lnRef>
-          <a:fillRef idx="0">
-            <a:schemeClr val="accent1"/>
-          </a:fillRef>
-          <a:effectRef idx="1">
-            <a:schemeClr val="accent1"/>
-          </a:effectRef>
-          <a:fontRef idx="minor">
-            <a:schemeClr val="tx1"/>
-          </a:fontRef>
-        </p:style>
-      </p:cxnSp>
-      <p:cxnSp>
-        <p:nvCxnSpPr>
-          <p:cNvPr id="1294" name="Conector recto 1293">
-            <a:extLst>
-              <a:ext uri="{FF2B5EF4-FFF2-40B4-BE49-F238E27FC236}">
-                <a16:creationId xmlns:a16="http://schemas.microsoft.com/office/drawing/2014/main" id="{671FF4B3-F5D5-697F-219E-B51BA5A06191}"/>
-              </a:ext>
-            </a:extLst>
-          </p:cNvPr>
-          <p:cNvCxnSpPr>
-            <a:cxnSpLocks/>
-          </p:cNvCxnSpPr>
-          <p:nvPr/>
-        </p:nvCxnSpPr>
-        <p:spPr>
-          <a:xfrm>
-            <a:off x="5288109" y="2177213"/>
-            <a:ext cx="2546767" cy="0"/>
-          </a:xfrm>
-          <a:prstGeom prst="line">
-            <a:avLst/>
-          </a:prstGeom>
-          <a:ln w="28575">
-            <a:solidFill>
-              <a:schemeClr val="tx1"/>
-            </a:solidFill>
-          </a:ln>
-        </p:spPr>
-        <p:style>
-          <a:lnRef idx="2">
-            <a:schemeClr val="accent1"/>
-          </a:lnRef>
-          <a:fillRef idx="0">
-            <a:schemeClr val="accent1"/>
-          </a:fillRef>
-          <a:effectRef idx="1">
-            <a:schemeClr val="accent1"/>
-          </a:effectRef>
-          <a:fontRef idx="minor">
-            <a:schemeClr val="tx1"/>
-          </a:fontRef>
-        </p:style>
-      </p:cxnSp>
-      <p:cxnSp>
-        <p:nvCxnSpPr>
-          <p:cNvPr id="1295" name="Conector recto 1294">
-            <a:extLst>
-              <a:ext uri="{FF2B5EF4-FFF2-40B4-BE49-F238E27FC236}">
-                <a16:creationId xmlns:a16="http://schemas.microsoft.com/office/drawing/2014/main" id="{05F2E7E7-277C-741B-FBCA-50228FF5975A}"/>
-              </a:ext>
-            </a:extLst>
-          </p:cNvPr>
-          <p:cNvCxnSpPr>
-            <a:cxnSpLocks/>
-          </p:cNvCxnSpPr>
-          <p:nvPr/>
-        </p:nvCxnSpPr>
-        <p:spPr>
-          <a:xfrm>
-            <a:off x="5288108" y="2253536"/>
-            <a:ext cx="2546767" cy="0"/>
-          </a:xfrm>
-          <a:prstGeom prst="line">
-            <a:avLst/>
-          </a:prstGeom>
-          <a:ln w="28575">
-            <a:solidFill>
-              <a:schemeClr val="tx1"/>
-            </a:solidFill>
-          </a:ln>
-        </p:spPr>
-        <p:style>
-          <a:lnRef idx="2">
-            <a:schemeClr val="accent1"/>
-          </a:lnRef>
-          <a:fillRef idx="0">
-            <a:schemeClr val="accent1"/>
-          </a:fillRef>
-          <a:effectRef idx="1">
-            <a:schemeClr val="accent1"/>
-          </a:effectRef>
-          <a:fontRef idx="minor">
-            <a:schemeClr val="tx1"/>
-          </a:fontRef>
-        </p:style>
-      </p:cxnSp>
-      <p:cxnSp>
-        <p:nvCxnSpPr>
-          <p:cNvPr id="1296" name="Conector recto 1295">
-            <a:extLst>
-              <a:ext uri="{FF2B5EF4-FFF2-40B4-BE49-F238E27FC236}">
-                <a16:creationId xmlns:a16="http://schemas.microsoft.com/office/drawing/2014/main" id="{293003F0-5FC3-C07D-287A-4CFFC7A98861}"/>
-              </a:ext>
-            </a:extLst>
-          </p:cNvPr>
-          <p:cNvCxnSpPr>
-            <a:cxnSpLocks/>
-          </p:cNvCxnSpPr>
-          <p:nvPr/>
-        </p:nvCxnSpPr>
-        <p:spPr>
-          <a:xfrm>
-            <a:off x="5288108" y="2330753"/>
-            <a:ext cx="2546767" cy="0"/>
+            <a:off x="4107739" y="1954549"/>
+            <a:ext cx="3613861" cy="0"/>
           </a:xfrm>
           <a:prstGeom prst="line">
             <a:avLst/>
@@ -5935,7 +6294,7 @@
                     <a:schemeClr val="tx1"/>
                   </a:solidFill>
                 </a:rPr>
-                <a:t>10K</a:t>
+                <a:t>1K</a:t>
               </a:r>
               <a:endParaRPr lang="es-CO" dirty="0">
                 <a:solidFill>
@@ -7762,8 +8121,8 @@
         </p:nvSpPr>
         <p:spPr>
           <a:xfrm>
-            <a:off x="1253370" y="902443"/>
-            <a:ext cx="543739" cy="338554"/>
+            <a:off x="1151782" y="830398"/>
+            <a:ext cx="789414" cy="338554"/>
           </a:xfrm>
           <a:prstGeom prst="rect">
             <a:avLst/>
@@ -7778,7 +8137,7 @@
           <a:p>
             <a:r>
               <a:rPr lang="es-CO" sz="1600" dirty="0"/>
-              <a:t>5V</a:t>
+              <a:t>3.3V</a:t>
             </a:r>
           </a:p>
         </p:txBody>
@@ -8839,196 +9198,6 @@
           <a:xfrm>
             <a:off x="2848829" y="5106150"/>
             <a:ext cx="881818" cy="0"/>
-          </a:xfrm>
-          <a:prstGeom prst="line">
-            <a:avLst/>
-          </a:prstGeom>
-          <a:ln w="28575">
-            <a:solidFill>
-              <a:schemeClr val="tx1"/>
-            </a:solidFill>
-          </a:ln>
-        </p:spPr>
-        <p:style>
-          <a:lnRef idx="2">
-            <a:schemeClr val="accent1"/>
-          </a:lnRef>
-          <a:fillRef idx="0">
-            <a:schemeClr val="accent1"/>
-          </a:fillRef>
-          <a:effectRef idx="1">
-            <a:schemeClr val="accent1"/>
-          </a:effectRef>
-          <a:fontRef idx="minor">
-            <a:schemeClr val="tx1"/>
-          </a:fontRef>
-        </p:style>
-      </p:cxnSp>
-      <p:sp>
-        <p:nvSpPr>
-          <p:cNvPr id="1132" name="Rectángulo 1131">
-            <a:extLst>
-              <a:ext uri="{FF2B5EF4-FFF2-40B4-BE49-F238E27FC236}">
-                <a16:creationId xmlns:a16="http://schemas.microsoft.com/office/drawing/2014/main" id="{6F499F8E-BFE0-C2F1-9D0F-EEF8EB89D228}"/>
-              </a:ext>
-            </a:extLst>
-          </p:cNvPr>
-          <p:cNvSpPr/>
-          <p:nvPr/>
-        </p:nvSpPr>
-        <p:spPr>
-          <a:xfrm>
-            <a:off x="4780377" y="1815216"/>
-            <a:ext cx="507733" cy="926574"/>
-          </a:xfrm>
-          <a:prstGeom prst="rect">
-            <a:avLst/>
-          </a:prstGeom>
-          <a:solidFill>
-            <a:schemeClr val="bg1"/>
-          </a:solidFill>
-          <a:ln w="28575">
-            <a:solidFill>
-              <a:schemeClr val="tx1"/>
-            </a:solidFill>
-          </a:ln>
-        </p:spPr>
-        <p:style>
-          <a:lnRef idx="2">
-            <a:schemeClr val="accent1">
-              <a:shade val="15000"/>
-            </a:schemeClr>
-          </a:lnRef>
-          <a:fillRef idx="1">
-            <a:schemeClr val="accent1"/>
-          </a:fillRef>
-          <a:effectRef idx="0">
-            <a:schemeClr val="accent1"/>
-          </a:effectRef>
-          <a:fontRef idx="minor">
-            <a:schemeClr val="lt1"/>
-          </a:fontRef>
-        </p:style>
-        <p:txBody>
-          <a:bodyPr vert="vert" rtlCol="0" anchor="ctr"/>
-          <a:lstStyle/>
-          <a:p>
-            <a:pPr algn="ctr"/>
-            <a:r>
-              <a:rPr lang="es-CO" dirty="0">
-                <a:solidFill>
-                  <a:schemeClr val="tx1"/>
-                </a:solidFill>
-              </a:rPr>
-              <a:t>7448</a:t>
-            </a:r>
-          </a:p>
-        </p:txBody>
-      </p:sp>
-      <p:cxnSp>
-        <p:nvCxnSpPr>
-          <p:cNvPr id="1133" name="Conector recto 1132">
-            <a:extLst>
-              <a:ext uri="{FF2B5EF4-FFF2-40B4-BE49-F238E27FC236}">
-                <a16:creationId xmlns:a16="http://schemas.microsoft.com/office/drawing/2014/main" id="{3909FA01-FB10-044D-DDA5-7FCB8BCF8B60}"/>
-              </a:ext>
-            </a:extLst>
-          </p:cNvPr>
-          <p:cNvCxnSpPr>
-            <a:cxnSpLocks/>
-          </p:cNvCxnSpPr>
-          <p:nvPr/>
-        </p:nvCxnSpPr>
-        <p:spPr>
-          <a:xfrm>
-            <a:off x="4247287" y="1947362"/>
-            <a:ext cx="533090" cy="0"/>
-          </a:xfrm>
-          <a:prstGeom prst="line">
-            <a:avLst/>
-          </a:prstGeom>
-          <a:ln w="28575">
-            <a:solidFill>
-              <a:schemeClr val="tx1"/>
-            </a:solidFill>
-          </a:ln>
-        </p:spPr>
-        <p:style>
-          <a:lnRef idx="2">
-            <a:schemeClr val="accent1"/>
-          </a:lnRef>
-          <a:fillRef idx="0">
-            <a:schemeClr val="accent1"/>
-          </a:fillRef>
-          <a:effectRef idx="1">
-            <a:schemeClr val="accent1"/>
-          </a:effectRef>
-          <a:fontRef idx="minor">
-            <a:schemeClr val="tx1"/>
-          </a:fontRef>
-        </p:style>
-      </p:cxnSp>
-      <p:cxnSp>
-        <p:nvCxnSpPr>
-          <p:cNvPr id="1135" name="Conector recto 1134">
-            <a:extLst>
-              <a:ext uri="{FF2B5EF4-FFF2-40B4-BE49-F238E27FC236}">
-                <a16:creationId xmlns:a16="http://schemas.microsoft.com/office/drawing/2014/main" id="{245C1423-81D6-7342-A70D-AC3BD02E47AA}"/>
-              </a:ext>
-            </a:extLst>
-          </p:cNvPr>
-          <p:cNvCxnSpPr>
-            <a:cxnSpLocks/>
-          </p:cNvCxnSpPr>
-          <p:nvPr/>
-        </p:nvCxnSpPr>
-        <p:spPr>
-          <a:xfrm>
-            <a:off x="4247287" y="2017363"/>
-            <a:ext cx="533090" cy="0"/>
-          </a:xfrm>
-          <a:prstGeom prst="line">
-            <a:avLst/>
-          </a:prstGeom>
-          <a:ln w="28575">
-            <a:solidFill>
-              <a:schemeClr val="tx1"/>
-            </a:solidFill>
-          </a:ln>
-        </p:spPr>
-        <p:style>
-          <a:lnRef idx="2">
-            <a:schemeClr val="accent1"/>
-          </a:lnRef>
-          <a:fillRef idx="0">
-            <a:schemeClr val="accent1"/>
-          </a:fillRef>
-          <a:effectRef idx="1">
-            <a:schemeClr val="accent1"/>
-          </a:effectRef>
-          <a:fontRef idx="minor">
-            <a:schemeClr val="tx1"/>
-          </a:fontRef>
-        </p:style>
-      </p:cxnSp>
-      <p:cxnSp>
-        <p:nvCxnSpPr>
-          <p:cNvPr id="1136" name="Conector recto 1135">
-            <a:extLst>
-              <a:ext uri="{FF2B5EF4-FFF2-40B4-BE49-F238E27FC236}">
-                <a16:creationId xmlns:a16="http://schemas.microsoft.com/office/drawing/2014/main" id="{E1848D88-41A2-D793-3776-24D3CA70C6C8}"/>
-              </a:ext>
-            </a:extLst>
-          </p:cNvPr>
-          <p:cNvCxnSpPr>
-            <a:cxnSpLocks/>
-          </p:cNvCxnSpPr>
-          <p:nvPr/>
-        </p:nvCxnSpPr>
-        <p:spPr>
-          <a:xfrm>
-            <a:off x="4247287" y="2105426"/>
-            <a:ext cx="533090" cy="0"/>
           </a:xfrm>
           <a:prstGeom prst="line">
             <a:avLst/>
@@ -11993,58 +12162,6 @@
           </a:fontRef>
         </p:style>
       </p:cxnSp>
-      <p:pic>
-        <p:nvPicPr>
-          <p:cNvPr id="1264" name="Picture 2" descr="Raspberry Pi Pico W - RP2040 WiFi - Electronilab">
-            <a:extLst>
-              <a:ext uri="{FF2B5EF4-FFF2-40B4-BE49-F238E27FC236}">
-                <a16:creationId xmlns:a16="http://schemas.microsoft.com/office/drawing/2014/main" id="{C247D84C-DFD3-7ABD-7E0D-5409777FAE11}"/>
-              </a:ext>
-            </a:extLst>
-          </p:cNvPr>
-          <p:cNvPicPr>
-            <a:picLocks noChangeAspect="1" noChangeArrowheads="1"/>
-          </p:cNvPicPr>
-          <p:nvPr/>
-        </p:nvPicPr>
-        <p:blipFill>
-          <a:blip r:embed="rId2">
-            <a:extLst>
-              <a:ext uri="{28A0092B-C50C-407E-A947-70E740481C1C}">
-                <a14:useLocalDpi xmlns:a14="http://schemas.microsoft.com/office/drawing/2010/main" val="0"/>
-              </a:ext>
-            </a:extLst>
-          </a:blip>
-          <a:srcRect/>
-          <a:stretch>
-            <a:fillRect/>
-          </a:stretch>
-        </p:blipFill>
-        <p:spPr bwMode="auto">
-          <a:xfrm>
-            <a:off x="2299615" y="1767954"/>
-            <a:ext cx="1947672" cy="1947672"/>
-          </a:xfrm>
-          <a:prstGeom prst="rect">
-            <a:avLst/>
-          </a:prstGeom>
-          <a:noFill/>
-          <a:ln w="28575">
-            <a:solidFill>
-              <a:schemeClr val="tx1"/>
-            </a:solidFill>
-          </a:ln>
-          <a:extLst>
-            <a:ext uri="{909E8E84-426E-40DD-AFC4-6F175D3DCCD1}">
-              <a14:hiddenFill xmlns:a14="http://schemas.microsoft.com/office/drawing/2010/main">
-                <a:solidFill>
-                  <a:srgbClr val="FFFFFF"/>
-                </a:solidFill>
-              </a14:hiddenFill>
-            </a:ext>
-          </a:extLst>
-        </p:spPr>
-      </p:pic>
       <p:cxnSp>
         <p:nvCxnSpPr>
           <p:cNvPr id="1265" name="Conector recto 1264">
@@ -12396,49 +12513,6 @@
           </a:fontRef>
         </p:style>
       </p:cxnSp>
-      <p:cxnSp>
-        <p:nvCxnSpPr>
-          <p:cNvPr id="1297" name="Conector recto 1296">
-            <a:extLst>
-              <a:ext uri="{FF2B5EF4-FFF2-40B4-BE49-F238E27FC236}">
-                <a16:creationId xmlns:a16="http://schemas.microsoft.com/office/drawing/2014/main" id="{DB9FF105-8AD2-C5C7-3127-6C5C72ACB555}"/>
-              </a:ext>
-            </a:extLst>
-          </p:cNvPr>
-          <p:cNvCxnSpPr>
-            <a:cxnSpLocks/>
-          </p:cNvCxnSpPr>
-          <p:nvPr/>
-        </p:nvCxnSpPr>
-        <p:spPr>
-          <a:xfrm>
-            <a:off x="4258077" y="2218693"/>
-            <a:ext cx="533090" cy="0"/>
-          </a:xfrm>
-          <a:prstGeom prst="line">
-            <a:avLst/>
-          </a:prstGeom>
-          <a:ln w="28575">
-            <a:solidFill>
-              <a:schemeClr val="tx1"/>
-            </a:solidFill>
-          </a:ln>
-        </p:spPr>
-        <p:style>
-          <a:lnRef idx="2">
-            <a:schemeClr val="accent1"/>
-          </a:lnRef>
-          <a:fillRef idx="0">
-            <a:schemeClr val="accent1"/>
-          </a:fillRef>
-          <a:effectRef idx="1">
-            <a:schemeClr val="accent1"/>
-          </a:effectRef>
-          <a:fontRef idx="minor">
-            <a:schemeClr val="tx1"/>
-          </a:fontRef>
-        </p:style>
-      </p:cxnSp>
       <p:sp>
         <p:nvSpPr>
           <p:cNvPr id="1300" name="Rectángulo 1299">
@@ -12489,7 +12563,7 @@
                   <a:schemeClr val="tx1"/>
                 </a:solidFill>
               </a:rPr>
-              <a:t>10K</a:t>
+              <a:t>1K</a:t>
             </a:r>
             <a:endParaRPr lang="es-CO" dirty="0">
               <a:solidFill>
@@ -12549,7 +12623,7 @@
                   <a:schemeClr val="tx1"/>
                 </a:solidFill>
               </a:rPr>
-              <a:t>10K</a:t>
+              <a:t>1K </a:t>
             </a:r>
             <a:endParaRPr lang="es-CO" dirty="0">
               <a:solidFill>
@@ -12611,7 +12685,7 @@
                   <a:schemeClr val="tx1"/>
                 </a:solidFill>
               </a:rPr>
-              <a:t>330</a:t>
+              <a:t>330 </a:t>
             </a:r>
             <a:endParaRPr lang="es-CO" dirty="0">
               <a:solidFill>
@@ -12673,7 +12747,7 @@
                   <a:schemeClr val="tx1"/>
                 </a:solidFill>
               </a:rPr>
-              <a:t>330</a:t>
+              <a:t>330  </a:t>
             </a:r>
             <a:endParaRPr lang="es-CO" dirty="0">
               <a:solidFill>
@@ -12735,7 +12809,7 @@
                   <a:schemeClr val="tx1"/>
                 </a:solidFill>
               </a:rPr>
-              <a:t>330</a:t>
+              <a:t>330 </a:t>
             </a:r>
             <a:endParaRPr lang="es-CO" dirty="0">
               <a:solidFill>
@@ -12990,6 +13064,1312 @@
                 <a:schemeClr val="tx1"/>
               </a:solidFill>
             </a:endParaRPr>
+          </a:p>
+        </p:txBody>
+      </p:sp>
+      <p:sp>
+        <p:nvSpPr>
+          <p:cNvPr id="2" name="CuadroTexto 1">
+            <a:extLst>
+              <a:ext uri="{FF2B5EF4-FFF2-40B4-BE49-F238E27FC236}">
+                <a16:creationId xmlns:a16="http://schemas.microsoft.com/office/drawing/2014/main" id="{73A01E06-2F91-295A-9C3E-CC1FADAD6932}"/>
+              </a:ext>
+            </a:extLst>
+          </p:cNvPr>
+          <p:cNvSpPr txBox="1"/>
+          <p:nvPr/>
+        </p:nvSpPr>
+        <p:spPr>
+          <a:xfrm rot="5400000">
+            <a:off x="3381194" y="2520706"/>
+            <a:ext cx="1015471" cy="369332"/>
+          </a:xfrm>
+          <a:prstGeom prst="rect">
+            <a:avLst/>
+          </a:prstGeom>
+          <a:noFill/>
+        </p:spPr>
+        <p:txBody>
+          <a:bodyPr wrap="none" rtlCol="0">
+            <a:spAutoFit/>
+          </a:bodyPr>
+          <a:lstStyle/>
+          <a:p>
+            <a:r>
+              <a:rPr lang="es-CO" dirty="0"/>
+              <a:t>PICO_W</a:t>
+            </a:r>
+          </a:p>
+        </p:txBody>
+      </p:sp>
+      <p:sp>
+        <p:nvSpPr>
+          <p:cNvPr id="3" name="Rectángulo 2">
+            <a:extLst>
+              <a:ext uri="{FF2B5EF4-FFF2-40B4-BE49-F238E27FC236}">
+                <a16:creationId xmlns:a16="http://schemas.microsoft.com/office/drawing/2014/main" id="{FEED14E3-05D4-1E65-7FB3-BC9DF1F0A276}"/>
+              </a:ext>
+            </a:extLst>
+          </p:cNvPr>
+          <p:cNvSpPr/>
+          <p:nvPr/>
+        </p:nvSpPr>
+        <p:spPr>
+          <a:xfrm rot="16200000">
+            <a:off x="4797833" y="1640162"/>
+            <a:ext cx="85562" cy="381677"/>
+          </a:xfrm>
+          <a:prstGeom prst="rect">
+            <a:avLst/>
+          </a:prstGeom>
+          <a:solidFill>
+            <a:schemeClr val="bg1"/>
+          </a:solidFill>
+          <a:ln w="28575"/>
+        </p:spPr>
+        <p:style>
+          <a:lnRef idx="2">
+            <a:schemeClr val="accent1">
+              <a:shade val="15000"/>
+            </a:schemeClr>
+          </a:lnRef>
+          <a:fillRef idx="1">
+            <a:schemeClr val="accent1"/>
+          </a:fillRef>
+          <a:effectRef idx="0">
+            <a:schemeClr val="accent1"/>
+          </a:effectRef>
+          <a:fontRef idx="minor">
+            <a:schemeClr val="lt1"/>
+          </a:fontRef>
+        </p:style>
+        <p:txBody>
+          <a:bodyPr vert="vert" rtlCol="0" anchor="ctr"/>
+          <a:lstStyle/>
+          <a:p>
+            <a:pPr algn="ctr"/>
+            <a:r>
+              <a:rPr lang="es-CO" sz="700" dirty="0">
+                <a:solidFill>
+                  <a:schemeClr val="tx1"/>
+                </a:solidFill>
+              </a:rPr>
+              <a:t>330</a:t>
+            </a:r>
+            <a:endParaRPr lang="es-CO" sz="1400" dirty="0">
+              <a:solidFill>
+                <a:schemeClr val="tx1"/>
+              </a:solidFill>
+            </a:endParaRPr>
+          </a:p>
+        </p:txBody>
+      </p:sp>
+      <p:grpSp>
+        <p:nvGrpSpPr>
+          <p:cNvPr id="5" name="Grupo 4">
+            <a:extLst>
+              <a:ext uri="{FF2B5EF4-FFF2-40B4-BE49-F238E27FC236}">
+                <a16:creationId xmlns:a16="http://schemas.microsoft.com/office/drawing/2014/main" id="{3F65FC19-F115-F680-E6FC-92EA21C84761}"/>
+              </a:ext>
+            </a:extLst>
+          </p:cNvPr>
+          <p:cNvGrpSpPr/>
+          <p:nvPr/>
+        </p:nvGrpSpPr>
+        <p:grpSpPr>
+          <a:xfrm>
+            <a:off x="233163" y="2775225"/>
+            <a:ext cx="335645" cy="2065018"/>
+            <a:chOff x="810786" y="1106424"/>
+            <a:chExt cx="335645" cy="2065018"/>
+          </a:xfrm>
+        </p:grpSpPr>
+        <p:sp>
+          <p:nvSpPr>
+            <p:cNvPr id="7" name="Triángulo isósceles 6">
+              <a:extLst>
+                <a:ext uri="{FF2B5EF4-FFF2-40B4-BE49-F238E27FC236}">
+                  <a16:creationId xmlns:a16="http://schemas.microsoft.com/office/drawing/2014/main" id="{4D999BF2-6645-E36A-7E1A-6135D7308715}"/>
+                </a:ext>
+              </a:extLst>
+            </p:cNvPr>
+            <p:cNvSpPr/>
+            <p:nvPr/>
+          </p:nvSpPr>
+          <p:spPr>
+            <a:xfrm>
+              <a:off x="867240" y="1106424"/>
+              <a:ext cx="180000" cy="180000"/>
+            </a:xfrm>
+            <a:prstGeom prst="triangle">
+              <a:avLst/>
+            </a:prstGeom>
+            <a:solidFill>
+              <a:srgbClr val="FF0000"/>
+            </a:solidFill>
+            <a:ln>
+              <a:noFill/>
+            </a:ln>
+          </p:spPr>
+          <p:style>
+            <a:lnRef idx="2">
+              <a:schemeClr val="accent1">
+                <a:shade val="15000"/>
+              </a:schemeClr>
+            </a:lnRef>
+            <a:fillRef idx="1">
+              <a:schemeClr val="accent1"/>
+            </a:fillRef>
+            <a:effectRef idx="0">
+              <a:schemeClr val="accent1"/>
+            </a:effectRef>
+            <a:fontRef idx="minor">
+              <a:schemeClr val="lt1"/>
+            </a:fontRef>
+          </p:style>
+          <p:txBody>
+            <a:bodyPr rtlCol="0" anchor="ctr"/>
+            <a:lstStyle/>
+            <a:p>
+              <a:pPr algn="ctr"/>
+              <a:endParaRPr lang="es-CO"/>
+            </a:p>
+          </p:txBody>
+        </p:sp>
+        <p:cxnSp>
+          <p:nvCxnSpPr>
+            <p:cNvPr id="9" name="Conector recto 8">
+              <a:extLst>
+                <a:ext uri="{FF2B5EF4-FFF2-40B4-BE49-F238E27FC236}">
+                  <a16:creationId xmlns:a16="http://schemas.microsoft.com/office/drawing/2014/main" id="{1CAC502D-3926-A493-3C2C-AD965255E4F0}"/>
+                </a:ext>
+              </a:extLst>
+            </p:cNvPr>
+            <p:cNvCxnSpPr>
+              <a:stCxn id="7" idx="3"/>
+            </p:cNvCxnSpPr>
+            <p:nvPr/>
+          </p:nvCxnSpPr>
+          <p:spPr>
+            <a:xfrm>
+              <a:off x="957240" y="1286424"/>
+              <a:ext cx="0" cy="240624"/>
+            </a:xfrm>
+            <a:prstGeom prst="line">
+              <a:avLst/>
+            </a:prstGeom>
+            <a:ln w="28575">
+              <a:solidFill>
+                <a:schemeClr val="tx1"/>
+              </a:solidFill>
+            </a:ln>
+          </p:spPr>
+          <p:style>
+            <a:lnRef idx="2">
+              <a:schemeClr val="accent1"/>
+            </a:lnRef>
+            <a:fillRef idx="0">
+              <a:schemeClr val="accent1"/>
+            </a:fillRef>
+            <a:effectRef idx="1">
+              <a:schemeClr val="accent1"/>
+            </a:effectRef>
+            <a:fontRef idx="minor">
+              <a:schemeClr val="tx1"/>
+            </a:fontRef>
+          </p:style>
+        </p:cxnSp>
+        <p:cxnSp>
+          <p:nvCxnSpPr>
+            <p:cNvPr id="10" name="Conector recto 9">
+              <a:extLst>
+                <a:ext uri="{FF2B5EF4-FFF2-40B4-BE49-F238E27FC236}">
+                  <a16:creationId xmlns:a16="http://schemas.microsoft.com/office/drawing/2014/main" id="{40FF2098-7D18-C02B-A8D1-682199C5D1CE}"/>
+                </a:ext>
+              </a:extLst>
+            </p:cNvPr>
+            <p:cNvCxnSpPr>
+              <a:cxnSpLocks/>
+              <a:stCxn id="14" idx="4"/>
+              <a:endCxn id="11" idx="0"/>
+            </p:cNvCxnSpPr>
+            <p:nvPr/>
+          </p:nvCxnSpPr>
+          <p:spPr>
+            <a:xfrm>
+              <a:off x="956449" y="1864549"/>
+              <a:ext cx="0" cy="292928"/>
+            </a:xfrm>
+            <a:prstGeom prst="line">
+              <a:avLst/>
+            </a:prstGeom>
+            <a:ln w="28575">
+              <a:solidFill>
+                <a:schemeClr val="tx1"/>
+              </a:solidFill>
+            </a:ln>
+          </p:spPr>
+          <p:style>
+            <a:lnRef idx="2">
+              <a:schemeClr val="accent1"/>
+            </a:lnRef>
+            <a:fillRef idx="0">
+              <a:schemeClr val="accent1"/>
+            </a:fillRef>
+            <a:effectRef idx="1">
+              <a:schemeClr val="accent1"/>
+            </a:effectRef>
+            <a:fontRef idx="minor">
+              <a:schemeClr val="tx1"/>
+            </a:fontRef>
+          </p:style>
+        </p:cxnSp>
+        <p:sp>
+          <p:nvSpPr>
+            <p:cNvPr id="11" name="Rectángulo 10">
+              <a:extLst>
+                <a:ext uri="{FF2B5EF4-FFF2-40B4-BE49-F238E27FC236}">
+                  <a16:creationId xmlns:a16="http://schemas.microsoft.com/office/drawing/2014/main" id="{C7D4C3B4-10E0-CEE2-30DC-D98DC71ADB07}"/>
+                </a:ext>
+              </a:extLst>
+            </p:cNvPr>
+            <p:cNvSpPr/>
+            <p:nvPr/>
+          </p:nvSpPr>
+          <p:spPr>
+            <a:xfrm>
+              <a:off x="866449" y="2157477"/>
+              <a:ext cx="180000" cy="557148"/>
+            </a:xfrm>
+            <a:prstGeom prst="rect">
+              <a:avLst/>
+            </a:prstGeom>
+            <a:noFill/>
+            <a:ln w="28575"/>
+          </p:spPr>
+          <p:style>
+            <a:lnRef idx="2">
+              <a:schemeClr val="accent1">
+                <a:shade val="15000"/>
+              </a:schemeClr>
+            </a:lnRef>
+            <a:fillRef idx="1">
+              <a:schemeClr val="accent1"/>
+            </a:fillRef>
+            <a:effectRef idx="0">
+              <a:schemeClr val="accent1"/>
+            </a:effectRef>
+            <a:fontRef idx="minor">
+              <a:schemeClr val="lt1"/>
+            </a:fontRef>
+          </p:style>
+          <p:txBody>
+            <a:bodyPr vert="vert" rtlCol="0" anchor="ctr"/>
+            <a:lstStyle/>
+            <a:p>
+              <a:pPr algn="ctr"/>
+              <a:r>
+                <a:rPr lang="es-CO" sz="900" dirty="0">
+                  <a:solidFill>
+                    <a:schemeClr val="tx1"/>
+                  </a:solidFill>
+                </a:rPr>
+                <a:t>1K</a:t>
+              </a:r>
+              <a:endParaRPr lang="es-CO" dirty="0">
+                <a:solidFill>
+                  <a:schemeClr val="tx1"/>
+                </a:solidFill>
+              </a:endParaRPr>
+            </a:p>
+          </p:txBody>
+        </p:sp>
+        <p:grpSp>
+          <p:nvGrpSpPr>
+            <p:cNvPr id="12" name="Grupo 11">
+              <a:extLst>
+                <a:ext uri="{FF2B5EF4-FFF2-40B4-BE49-F238E27FC236}">
+                  <a16:creationId xmlns:a16="http://schemas.microsoft.com/office/drawing/2014/main" id="{47D22E80-63D2-433C-68AB-856F18D9BDAB}"/>
+                </a:ext>
+              </a:extLst>
+            </p:cNvPr>
+            <p:cNvGrpSpPr/>
+            <p:nvPr/>
+          </p:nvGrpSpPr>
+          <p:grpSpPr>
+            <a:xfrm>
+              <a:off x="1028449" y="1527359"/>
+              <a:ext cx="117982" cy="301190"/>
+              <a:chOff x="1047240" y="1482047"/>
+              <a:chExt cx="82785" cy="240624"/>
+            </a:xfrm>
+          </p:grpSpPr>
+          <p:cxnSp>
+            <p:nvCxnSpPr>
+              <p:cNvPr id="26" name="Conector recto 25">
+                <a:extLst>
+                  <a:ext uri="{FF2B5EF4-FFF2-40B4-BE49-F238E27FC236}">
+                    <a16:creationId xmlns:a16="http://schemas.microsoft.com/office/drawing/2014/main" id="{5DA119BB-B349-9BB2-A681-4AB284C281AF}"/>
+                  </a:ext>
+                </a:extLst>
+              </p:cNvPr>
+              <p:cNvCxnSpPr/>
+              <p:nvPr/>
+            </p:nvCxnSpPr>
+            <p:spPr>
+              <a:xfrm>
+                <a:off x="1047240" y="1482047"/>
+                <a:ext cx="0" cy="240624"/>
+              </a:xfrm>
+              <a:prstGeom prst="line">
+                <a:avLst/>
+              </a:prstGeom>
+              <a:ln w="28575">
+                <a:solidFill>
+                  <a:schemeClr val="tx1"/>
+                </a:solidFill>
+              </a:ln>
+            </p:spPr>
+            <p:style>
+              <a:lnRef idx="2">
+                <a:schemeClr val="accent1"/>
+              </a:lnRef>
+              <a:fillRef idx="0">
+                <a:schemeClr val="accent1"/>
+              </a:fillRef>
+              <a:effectRef idx="1">
+                <a:schemeClr val="accent1"/>
+              </a:effectRef>
+              <a:fontRef idx="minor">
+                <a:schemeClr val="tx1"/>
+              </a:fontRef>
+            </p:style>
+          </p:cxnSp>
+          <p:sp>
+            <p:nvSpPr>
+              <p:cNvPr id="28" name="Rectángulo 27">
+                <a:extLst>
+                  <a:ext uri="{FF2B5EF4-FFF2-40B4-BE49-F238E27FC236}">
+                    <a16:creationId xmlns:a16="http://schemas.microsoft.com/office/drawing/2014/main" id="{2FEA39FA-46FB-C8A7-C3D0-BC90D1E550F3}"/>
+                  </a:ext>
+                </a:extLst>
+              </p:cNvPr>
+              <p:cNvSpPr/>
+              <p:nvPr/>
+            </p:nvSpPr>
+            <p:spPr>
+              <a:xfrm>
+                <a:off x="1051244" y="1535621"/>
+                <a:ext cx="78781" cy="133477"/>
+              </a:xfrm>
+              <a:prstGeom prst="rect">
+                <a:avLst/>
+              </a:prstGeom>
+              <a:noFill/>
+              <a:ln w="28575"/>
+            </p:spPr>
+            <p:style>
+              <a:lnRef idx="2">
+                <a:schemeClr val="accent1">
+                  <a:shade val="15000"/>
+                </a:schemeClr>
+              </a:lnRef>
+              <a:fillRef idx="1">
+                <a:schemeClr val="accent1"/>
+              </a:fillRef>
+              <a:effectRef idx="0">
+                <a:schemeClr val="accent1"/>
+              </a:effectRef>
+              <a:fontRef idx="minor">
+                <a:schemeClr val="lt1"/>
+              </a:fontRef>
+            </p:style>
+            <p:txBody>
+              <a:bodyPr rtlCol="0" anchor="ctr"/>
+              <a:lstStyle/>
+              <a:p>
+                <a:pPr algn="ctr"/>
+                <a:endParaRPr lang="es-CO"/>
+              </a:p>
+            </p:txBody>
+          </p:sp>
+        </p:grpSp>
+        <p:sp>
+          <p:nvSpPr>
+            <p:cNvPr id="13" name="Elipse 12">
+              <a:extLst>
+                <a:ext uri="{FF2B5EF4-FFF2-40B4-BE49-F238E27FC236}">
+                  <a16:creationId xmlns:a16="http://schemas.microsoft.com/office/drawing/2014/main" id="{1DEBEB13-5B39-1945-E20A-A6C9003BAA69}"/>
+                </a:ext>
+              </a:extLst>
+            </p:cNvPr>
+            <p:cNvSpPr/>
+            <p:nvPr/>
+          </p:nvSpPr>
+          <p:spPr>
+            <a:xfrm>
+              <a:off x="921240" y="1499621"/>
+              <a:ext cx="72000" cy="72000"/>
+            </a:xfrm>
+            <a:prstGeom prst="ellipse">
+              <a:avLst/>
+            </a:prstGeom>
+            <a:solidFill>
+              <a:schemeClr val="tx1"/>
+            </a:solidFill>
+            <a:ln>
+              <a:noFill/>
+            </a:ln>
+          </p:spPr>
+          <p:style>
+            <a:lnRef idx="2">
+              <a:schemeClr val="accent1">
+                <a:shade val="15000"/>
+              </a:schemeClr>
+            </a:lnRef>
+            <a:fillRef idx="1">
+              <a:schemeClr val="accent1"/>
+            </a:fillRef>
+            <a:effectRef idx="0">
+              <a:schemeClr val="accent1"/>
+            </a:effectRef>
+            <a:fontRef idx="minor">
+              <a:schemeClr val="lt1"/>
+            </a:fontRef>
+          </p:style>
+          <p:txBody>
+            <a:bodyPr rtlCol="0" anchor="ctr"/>
+            <a:lstStyle/>
+            <a:p>
+              <a:pPr algn="ctr"/>
+              <a:endParaRPr lang="es-CO">
+                <a:solidFill>
+                  <a:schemeClr val="tx1"/>
+                </a:solidFill>
+              </a:endParaRPr>
+            </a:p>
+          </p:txBody>
+        </p:sp>
+        <p:sp>
+          <p:nvSpPr>
+            <p:cNvPr id="14" name="Elipse 13">
+              <a:extLst>
+                <a:ext uri="{FF2B5EF4-FFF2-40B4-BE49-F238E27FC236}">
+                  <a16:creationId xmlns:a16="http://schemas.microsoft.com/office/drawing/2014/main" id="{CF26C78E-BA41-B70A-AA5C-F883417A6C8F}"/>
+                </a:ext>
+              </a:extLst>
+            </p:cNvPr>
+            <p:cNvSpPr/>
+            <p:nvPr/>
+          </p:nvSpPr>
+          <p:spPr>
+            <a:xfrm>
+              <a:off x="920449" y="1792549"/>
+              <a:ext cx="72000" cy="72000"/>
+            </a:xfrm>
+            <a:prstGeom prst="ellipse">
+              <a:avLst/>
+            </a:prstGeom>
+            <a:solidFill>
+              <a:schemeClr val="tx1"/>
+            </a:solidFill>
+            <a:ln>
+              <a:noFill/>
+            </a:ln>
+          </p:spPr>
+          <p:style>
+            <a:lnRef idx="2">
+              <a:schemeClr val="accent1">
+                <a:shade val="15000"/>
+              </a:schemeClr>
+            </a:lnRef>
+            <a:fillRef idx="1">
+              <a:schemeClr val="accent1"/>
+            </a:fillRef>
+            <a:effectRef idx="0">
+              <a:schemeClr val="accent1"/>
+            </a:effectRef>
+            <a:fontRef idx="minor">
+              <a:schemeClr val="lt1"/>
+            </a:fontRef>
+          </p:style>
+          <p:txBody>
+            <a:bodyPr rtlCol="0" anchor="ctr"/>
+            <a:lstStyle/>
+            <a:p>
+              <a:pPr algn="ctr"/>
+              <a:endParaRPr lang="es-CO">
+                <a:solidFill>
+                  <a:schemeClr val="tx1"/>
+                </a:solidFill>
+              </a:endParaRPr>
+            </a:p>
+          </p:txBody>
+        </p:sp>
+        <p:cxnSp>
+          <p:nvCxnSpPr>
+            <p:cNvPr id="15" name="Conector recto 14">
+              <a:extLst>
+                <a:ext uri="{FF2B5EF4-FFF2-40B4-BE49-F238E27FC236}">
+                  <a16:creationId xmlns:a16="http://schemas.microsoft.com/office/drawing/2014/main" id="{013044A3-7F22-A38C-F783-007286535CA3}"/>
+                </a:ext>
+              </a:extLst>
+            </p:cNvPr>
+            <p:cNvCxnSpPr>
+              <a:cxnSpLocks/>
+              <a:stCxn id="11" idx="2"/>
+            </p:cNvCxnSpPr>
+            <p:nvPr/>
+          </p:nvCxnSpPr>
+          <p:spPr>
+            <a:xfrm>
+              <a:off x="956449" y="2714625"/>
+              <a:ext cx="0" cy="361566"/>
+            </a:xfrm>
+            <a:prstGeom prst="line">
+              <a:avLst/>
+            </a:prstGeom>
+            <a:ln w="28575">
+              <a:solidFill>
+                <a:schemeClr val="tx1"/>
+              </a:solidFill>
+            </a:ln>
+          </p:spPr>
+          <p:style>
+            <a:lnRef idx="2">
+              <a:schemeClr val="accent1"/>
+            </a:lnRef>
+            <a:fillRef idx="0">
+              <a:schemeClr val="accent1"/>
+            </a:fillRef>
+            <a:effectRef idx="1">
+              <a:schemeClr val="accent1"/>
+            </a:effectRef>
+            <a:fontRef idx="minor">
+              <a:schemeClr val="tx1"/>
+            </a:fontRef>
+          </p:style>
+        </p:cxnSp>
+        <p:grpSp>
+          <p:nvGrpSpPr>
+            <p:cNvPr id="16" name="Grupo 15">
+              <a:extLst>
+                <a:ext uri="{FF2B5EF4-FFF2-40B4-BE49-F238E27FC236}">
+                  <a16:creationId xmlns:a16="http://schemas.microsoft.com/office/drawing/2014/main" id="{8A275F43-65B7-6FE4-FCAB-01E94A40A9F6}"/>
+                </a:ext>
+              </a:extLst>
+            </p:cNvPr>
+            <p:cNvGrpSpPr/>
+            <p:nvPr/>
+          </p:nvGrpSpPr>
+          <p:grpSpPr>
+            <a:xfrm>
+              <a:off x="810786" y="3076191"/>
+              <a:ext cx="291326" cy="95251"/>
+              <a:chOff x="1118780" y="2876549"/>
+              <a:chExt cx="291326" cy="95251"/>
+            </a:xfrm>
+          </p:grpSpPr>
+          <p:cxnSp>
+            <p:nvCxnSpPr>
+              <p:cNvPr id="17" name="Conector recto 16">
+                <a:extLst>
+                  <a:ext uri="{FF2B5EF4-FFF2-40B4-BE49-F238E27FC236}">
+                    <a16:creationId xmlns:a16="http://schemas.microsoft.com/office/drawing/2014/main" id="{CBD39498-E150-A934-C26B-8904C2655897}"/>
+                  </a:ext>
+                </a:extLst>
+              </p:cNvPr>
+              <p:cNvCxnSpPr>
+                <a:cxnSpLocks/>
+              </p:cNvCxnSpPr>
+              <p:nvPr/>
+            </p:nvCxnSpPr>
+            <p:spPr>
+              <a:xfrm>
+                <a:off x="1118780" y="2876549"/>
+                <a:ext cx="291326" cy="0"/>
+              </a:xfrm>
+              <a:prstGeom prst="line">
+                <a:avLst/>
+              </a:prstGeom>
+              <a:ln w="28575">
+                <a:solidFill>
+                  <a:schemeClr val="tx1"/>
+                </a:solidFill>
+              </a:ln>
+            </p:spPr>
+            <p:style>
+              <a:lnRef idx="2">
+                <a:schemeClr val="accent1"/>
+              </a:lnRef>
+              <a:fillRef idx="0">
+                <a:schemeClr val="accent1"/>
+              </a:fillRef>
+              <a:effectRef idx="1">
+                <a:schemeClr val="accent1"/>
+              </a:effectRef>
+              <a:fontRef idx="minor">
+                <a:schemeClr val="tx1"/>
+              </a:fontRef>
+            </p:style>
+          </p:cxnSp>
+          <p:cxnSp>
+            <p:nvCxnSpPr>
+              <p:cNvPr id="18" name="Conector recto 17">
+                <a:extLst>
+                  <a:ext uri="{FF2B5EF4-FFF2-40B4-BE49-F238E27FC236}">
+                    <a16:creationId xmlns:a16="http://schemas.microsoft.com/office/drawing/2014/main" id="{023D1657-A463-EAFE-D9EB-7708650A7982}"/>
+                  </a:ext>
+                </a:extLst>
+              </p:cNvPr>
+              <p:cNvCxnSpPr>
+                <a:cxnSpLocks/>
+              </p:cNvCxnSpPr>
+              <p:nvPr/>
+            </p:nvCxnSpPr>
+            <p:spPr>
+              <a:xfrm>
+                <a:off x="1164431" y="2924175"/>
+                <a:ext cx="200025" cy="0"/>
+              </a:xfrm>
+              <a:prstGeom prst="line">
+                <a:avLst/>
+              </a:prstGeom>
+              <a:ln w="28575">
+                <a:solidFill>
+                  <a:schemeClr val="tx1"/>
+                </a:solidFill>
+              </a:ln>
+            </p:spPr>
+            <p:style>
+              <a:lnRef idx="2">
+                <a:schemeClr val="accent1"/>
+              </a:lnRef>
+              <a:fillRef idx="0">
+                <a:schemeClr val="accent1"/>
+              </a:fillRef>
+              <a:effectRef idx="1">
+                <a:schemeClr val="accent1"/>
+              </a:effectRef>
+              <a:fontRef idx="minor">
+                <a:schemeClr val="tx1"/>
+              </a:fontRef>
+            </p:style>
+          </p:cxnSp>
+          <p:cxnSp>
+            <p:nvCxnSpPr>
+              <p:cNvPr id="19" name="Conector recto 18">
+                <a:extLst>
+                  <a:ext uri="{FF2B5EF4-FFF2-40B4-BE49-F238E27FC236}">
+                    <a16:creationId xmlns:a16="http://schemas.microsoft.com/office/drawing/2014/main" id="{67F3B1A1-FD56-FA78-F972-2D0B5349B534}"/>
+                  </a:ext>
+                </a:extLst>
+              </p:cNvPr>
+              <p:cNvCxnSpPr>
+                <a:cxnSpLocks/>
+              </p:cNvCxnSpPr>
+              <p:nvPr/>
+            </p:nvCxnSpPr>
+            <p:spPr>
+              <a:xfrm>
+                <a:off x="1219200" y="2971800"/>
+                <a:ext cx="92869" cy="0"/>
+              </a:xfrm>
+              <a:prstGeom prst="line">
+                <a:avLst/>
+              </a:prstGeom>
+              <a:ln w="28575">
+                <a:solidFill>
+                  <a:schemeClr val="tx1"/>
+                </a:solidFill>
+              </a:ln>
+            </p:spPr>
+            <p:style>
+              <a:lnRef idx="2">
+                <a:schemeClr val="accent1"/>
+              </a:lnRef>
+              <a:fillRef idx="0">
+                <a:schemeClr val="accent1"/>
+              </a:fillRef>
+              <a:effectRef idx="1">
+                <a:schemeClr val="accent1"/>
+              </a:effectRef>
+              <a:fontRef idx="minor">
+                <a:schemeClr val="tx1"/>
+              </a:fontRef>
+            </p:style>
+          </p:cxnSp>
+        </p:grpSp>
+      </p:grpSp>
+      <p:cxnSp>
+        <p:nvCxnSpPr>
+          <p:cNvPr id="29" name="Conector recto 28">
+            <a:extLst>
+              <a:ext uri="{FF2B5EF4-FFF2-40B4-BE49-F238E27FC236}">
+                <a16:creationId xmlns:a16="http://schemas.microsoft.com/office/drawing/2014/main" id="{E24B615B-7DDA-35BC-AA7D-45BD0C4B0AD7}"/>
+              </a:ext>
+            </a:extLst>
+          </p:cNvPr>
+          <p:cNvCxnSpPr>
+            <a:cxnSpLocks/>
+          </p:cNvCxnSpPr>
+          <p:nvPr/>
+        </p:nvCxnSpPr>
+        <p:spPr>
+          <a:xfrm flipV="1">
+            <a:off x="378826" y="3593116"/>
+            <a:ext cx="1920789" cy="5513"/>
+          </a:xfrm>
+          <a:prstGeom prst="line">
+            <a:avLst/>
+          </a:prstGeom>
+          <a:ln w="28575">
+            <a:solidFill>
+              <a:schemeClr val="tx1"/>
+            </a:solidFill>
+          </a:ln>
+        </p:spPr>
+        <p:style>
+          <a:lnRef idx="2">
+            <a:schemeClr val="accent1"/>
+          </a:lnRef>
+          <a:fillRef idx="0">
+            <a:schemeClr val="accent1"/>
+          </a:fillRef>
+          <a:effectRef idx="1">
+            <a:schemeClr val="accent1"/>
+          </a:effectRef>
+          <a:fontRef idx="minor">
+            <a:schemeClr val="tx1"/>
+          </a:fontRef>
+        </p:style>
+      </p:cxnSp>
+      <p:sp>
+        <p:nvSpPr>
+          <p:cNvPr id="31" name="CuadroTexto 30">
+            <a:extLst>
+              <a:ext uri="{FF2B5EF4-FFF2-40B4-BE49-F238E27FC236}">
+                <a16:creationId xmlns:a16="http://schemas.microsoft.com/office/drawing/2014/main" id="{273B3856-1D57-AF8D-9648-DFF0752D33D0}"/>
+              </a:ext>
+            </a:extLst>
+          </p:cNvPr>
+          <p:cNvSpPr txBox="1"/>
+          <p:nvPr/>
+        </p:nvSpPr>
+        <p:spPr>
+          <a:xfrm>
+            <a:off x="503391" y="3605311"/>
+            <a:ext cx="590098" cy="276999"/>
+          </a:xfrm>
+          <a:prstGeom prst="rect">
+            <a:avLst/>
+          </a:prstGeom>
+          <a:noFill/>
+        </p:spPr>
+        <p:txBody>
+          <a:bodyPr wrap="none" rtlCol="0">
+            <a:spAutoFit/>
+          </a:bodyPr>
+          <a:lstStyle/>
+          <a:p>
+            <a:r>
+              <a:rPr lang="es-CO" sz="1200" dirty="0"/>
+              <a:t>START</a:t>
+            </a:r>
+          </a:p>
+        </p:txBody>
+      </p:sp>
+      <p:pic>
+        <p:nvPicPr>
+          <p:cNvPr id="33" name="Picture 2" descr="Raspberry Pi Pico W - RP2040 WiFi - Electronilab">
+            <a:extLst>
+              <a:ext uri="{FF2B5EF4-FFF2-40B4-BE49-F238E27FC236}">
+                <a16:creationId xmlns:a16="http://schemas.microsoft.com/office/drawing/2014/main" id="{C247D84C-DFD3-7ABD-7E0D-5409777FAE11}"/>
+              </a:ext>
+            </a:extLst>
+          </p:cNvPr>
+          <p:cNvPicPr>
+            <a:picLocks noChangeAspect="1" noChangeArrowheads="1"/>
+          </p:cNvPicPr>
+          <p:nvPr/>
+        </p:nvPicPr>
+        <p:blipFill>
+          <a:blip r:embed="rId2">
+            <a:extLst>
+              <a:ext uri="{28A0092B-C50C-407E-A947-70E740481C1C}">
+                <a14:useLocalDpi xmlns:a14="http://schemas.microsoft.com/office/drawing/2010/main" val="0"/>
+              </a:ext>
+            </a:extLst>
+          </a:blip>
+          <a:srcRect/>
+          <a:stretch>
+            <a:fillRect/>
+          </a:stretch>
+        </p:blipFill>
+        <p:spPr bwMode="auto">
+          <a:xfrm>
+            <a:off x="2299615" y="1767954"/>
+            <a:ext cx="1947672" cy="1947672"/>
+          </a:xfrm>
+          <a:prstGeom prst="rect">
+            <a:avLst/>
+          </a:prstGeom>
+          <a:noFill/>
+          <a:ln w="28575">
+            <a:solidFill>
+              <a:schemeClr val="tx1"/>
+            </a:solidFill>
+          </a:ln>
+          <a:extLst>
+            <a:ext uri="{909E8E84-426E-40DD-AFC4-6F175D3DCCD1}">
+              <a14:hiddenFill xmlns:a14="http://schemas.microsoft.com/office/drawing/2010/main">
+                <a:solidFill>
+                  <a:srgbClr val="FFFFFF"/>
+                </a:solidFill>
+              </a14:hiddenFill>
+            </a:ext>
+          </a:extLst>
+        </p:spPr>
+      </p:pic>
+      <p:sp>
+        <p:nvSpPr>
+          <p:cNvPr id="35" name="Rectángulo 34">
+            <a:extLst>
+              <a:ext uri="{FF2B5EF4-FFF2-40B4-BE49-F238E27FC236}">
+                <a16:creationId xmlns:a16="http://schemas.microsoft.com/office/drawing/2014/main" id="{3F4CB936-610A-7776-63CB-9727E65D5805}"/>
+              </a:ext>
+            </a:extLst>
+          </p:cNvPr>
+          <p:cNvSpPr/>
+          <p:nvPr/>
+        </p:nvSpPr>
+        <p:spPr>
+          <a:xfrm rot="16200000">
+            <a:off x="4797833" y="1761438"/>
+            <a:ext cx="85562" cy="381677"/>
+          </a:xfrm>
+          <a:prstGeom prst="rect">
+            <a:avLst/>
+          </a:prstGeom>
+          <a:solidFill>
+            <a:schemeClr val="bg1"/>
+          </a:solidFill>
+          <a:ln w="28575"/>
+        </p:spPr>
+        <p:style>
+          <a:lnRef idx="2">
+            <a:schemeClr val="accent1">
+              <a:shade val="15000"/>
+            </a:schemeClr>
+          </a:lnRef>
+          <a:fillRef idx="1">
+            <a:schemeClr val="accent1"/>
+          </a:fillRef>
+          <a:effectRef idx="0">
+            <a:schemeClr val="accent1"/>
+          </a:effectRef>
+          <a:fontRef idx="minor">
+            <a:schemeClr val="lt1"/>
+          </a:fontRef>
+        </p:style>
+        <p:txBody>
+          <a:bodyPr vert="vert" rtlCol="0" anchor="ctr"/>
+          <a:lstStyle/>
+          <a:p>
+            <a:pPr algn="ctr"/>
+            <a:r>
+              <a:rPr lang="es-CO" sz="700" dirty="0">
+                <a:solidFill>
+                  <a:schemeClr val="tx1"/>
+                </a:solidFill>
+              </a:rPr>
+              <a:t>330</a:t>
+            </a:r>
+            <a:endParaRPr lang="es-CO" sz="1400" dirty="0">
+              <a:solidFill>
+                <a:schemeClr val="tx1"/>
+              </a:solidFill>
+            </a:endParaRPr>
+          </a:p>
+        </p:txBody>
+      </p:sp>
+      <p:sp>
+        <p:nvSpPr>
+          <p:cNvPr id="36" name="Rectángulo 35">
+            <a:extLst>
+              <a:ext uri="{FF2B5EF4-FFF2-40B4-BE49-F238E27FC236}">
+                <a16:creationId xmlns:a16="http://schemas.microsoft.com/office/drawing/2014/main" id="{68BF68C1-050F-36AC-A686-41D942085E81}"/>
+              </a:ext>
+            </a:extLst>
+          </p:cNvPr>
+          <p:cNvSpPr/>
+          <p:nvPr/>
+        </p:nvSpPr>
+        <p:spPr>
+          <a:xfrm rot="16200000">
+            <a:off x="4797833" y="1882713"/>
+            <a:ext cx="85562" cy="381677"/>
+          </a:xfrm>
+          <a:prstGeom prst="rect">
+            <a:avLst/>
+          </a:prstGeom>
+          <a:solidFill>
+            <a:schemeClr val="bg1"/>
+          </a:solidFill>
+          <a:ln w="28575"/>
+        </p:spPr>
+        <p:style>
+          <a:lnRef idx="2">
+            <a:schemeClr val="accent1">
+              <a:shade val="15000"/>
+            </a:schemeClr>
+          </a:lnRef>
+          <a:fillRef idx="1">
+            <a:schemeClr val="accent1"/>
+          </a:fillRef>
+          <a:effectRef idx="0">
+            <a:schemeClr val="accent1"/>
+          </a:effectRef>
+          <a:fontRef idx="minor">
+            <a:schemeClr val="lt1"/>
+          </a:fontRef>
+        </p:style>
+        <p:txBody>
+          <a:bodyPr vert="vert" rtlCol="0" anchor="ctr"/>
+          <a:lstStyle/>
+          <a:p>
+            <a:pPr algn="ctr"/>
+            <a:r>
+              <a:rPr lang="es-CO" sz="700" dirty="0">
+                <a:solidFill>
+                  <a:schemeClr val="tx1"/>
+                </a:solidFill>
+              </a:rPr>
+              <a:t>330</a:t>
+            </a:r>
+            <a:endParaRPr lang="es-CO" sz="1400" dirty="0">
+              <a:solidFill>
+                <a:schemeClr val="tx1"/>
+              </a:solidFill>
+            </a:endParaRPr>
+          </a:p>
+        </p:txBody>
+      </p:sp>
+      <p:sp>
+        <p:nvSpPr>
+          <p:cNvPr id="37" name="Rectángulo 36">
+            <a:extLst>
+              <a:ext uri="{FF2B5EF4-FFF2-40B4-BE49-F238E27FC236}">
+                <a16:creationId xmlns:a16="http://schemas.microsoft.com/office/drawing/2014/main" id="{2EA01779-9F70-B290-4F2E-21E22ACC656D}"/>
+              </a:ext>
+            </a:extLst>
+          </p:cNvPr>
+          <p:cNvSpPr/>
+          <p:nvPr/>
+        </p:nvSpPr>
+        <p:spPr>
+          <a:xfrm rot="16200000">
+            <a:off x="4794171" y="2013534"/>
+            <a:ext cx="85562" cy="381677"/>
+          </a:xfrm>
+          <a:prstGeom prst="rect">
+            <a:avLst/>
+          </a:prstGeom>
+          <a:solidFill>
+            <a:schemeClr val="bg1"/>
+          </a:solidFill>
+          <a:ln w="28575"/>
+        </p:spPr>
+        <p:style>
+          <a:lnRef idx="2">
+            <a:schemeClr val="accent1">
+              <a:shade val="15000"/>
+            </a:schemeClr>
+          </a:lnRef>
+          <a:fillRef idx="1">
+            <a:schemeClr val="accent1"/>
+          </a:fillRef>
+          <a:effectRef idx="0">
+            <a:schemeClr val="accent1"/>
+          </a:effectRef>
+          <a:fontRef idx="minor">
+            <a:schemeClr val="lt1"/>
+          </a:fontRef>
+        </p:style>
+        <p:txBody>
+          <a:bodyPr vert="vert" rtlCol="0" anchor="ctr"/>
+          <a:lstStyle/>
+          <a:p>
+            <a:pPr algn="ctr"/>
+            <a:r>
+              <a:rPr lang="es-CO" sz="700" dirty="0">
+                <a:solidFill>
+                  <a:schemeClr val="tx1"/>
+                </a:solidFill>
+              </a:rPr>
+              <a:t>330</a:t>
+            </a:r>
+            <a:endParaRPr lang="es-CO" sz="1400" dirty="0">
+              <a:solidFill>
+                <a:schemeClr val="tx1"/>
+              </a:solidFill>
+            </a:endParaRPr>
+          </a:p>
+        </p:txBody>
+      </p:sp>
+      <p:sp>
+        <p:nvSpPr>
+          <p:cNvPr id="38" name="Rectángulo 37">
+            <a:extLst>
+              <a:ext uri="{FF2B5EF4-FFF2-40B4-BE49-F238E27FC236}">
+                <a16:creationId xmlns:a16="http://schemas.microsoft.com/office/drawing/2014/main" id="{AEA653C2-FB7D-CD53-394F-75A011FDAFC3}"/>
+              </a:ext>
+            </a:extLst>
+          </p:cNvPr>
+          <p:cNvSpPr/>
+          <p:nvPr/>
+        </p:nvSpPr>
+        <p:spPr>
+          <a:xfrm rot="16200000">
+            <a:off x="4794171" y="2142066"/>
+            <a:ext cx="85562" cy="381677"/>
+          </a:xfrm>
+          <a:prstGeom prst="rect">
+            <a:avLst/>
+          </a:prstGeom>
+          <a:solidFill>
+            <a:schemeClr val="bg1"/>
+          </a:solidFill>
+          <a:ln w="28575"/>
+        </p:spPr>
+        <p:style>
+          <a:lnRef idx="2">
+            <a:schemeClr val="accent1">
+              <a:shade val="15000"/>
+            </a:schemeClr>
+          </a:lnRef>
+          <a:fillRef idx="1">
+            <a:schemeClr val="accent1"/>
+          </a:fillRef>
+          <a:effectRef idx="0">
+            <a:schemeClr val="accent1"/>
+          </a:effectRef>
+          <a:fontRef idx="minor">
+            <a:schemeClr val="lt1"/>
+          </a:fontRef>
+        </p:style>
+        <p:txBody>
+          <a:bodyPr vert="vert" rtlCol="0" anchor="ctr"/>
+          <a:lstStyle/>
+          <a:p>
+            <a:pPr algn="ctr"/>
+            <a:r>
+              <a:rPr lang="es-CO" sz="700" dirty="0">
+                <a:solidFill>
+                  <a:schemeClr val="tx1"/>
+                </a:solidFill>
+              </a:rPr>
+              <a:t>330</a:t>
+            </a:r>
+            <a:endParaRPr lang="es-CO" sz="1400" dirty="0">
+              <a:solidFill>
+                <a:schemeClr val="tx1"/>
+              </a:solidFill>
+            </a:endParaRPr>
+          </a:p>
+        </p:txBody>
+      </p:sp>
+      <p:sp>
+        <p:nvSpPr>
+          <p:cNvPr id="39" name="Rectángulo 38">
+            <a:extLst>
+              <a:ext uri="{FF2B5EF4-FFF2-40B4-BE49-F238E27FC236}">
+                <a16:creationId xmlns:a16="http://schemas.microsoft.com/office/drawing/2014/main" id="{7ECAD962-9B9A-296F-1976-C0D1DE1C397B}"/>
+              </a:ext>
+            </a:extLst>
+          </p:cNvPr>
+          <p:cNvSpPr/>
+          <p:nvPr/>
+        </p:nvSpPr>
+        <p:spPr>
+          <a:xfrm rot="16200000">
+            <a:off x="4794171" y="2262935"/>
+            <a:ext cx="85562" cy="381677"/>
+          </a:xfrm>
+          <a:prstGeom prst="rect">
+            <a:avLst/>
+          </a:prstGeom>
+          <a:solidFill>
+            <a:schemeClr val="bg1"/>
+          </a:solidFill>
+          <a:ln w="28575"/>
+        </p:spPr>
+        <p:style>
+          <a:lnRef idx="2">
+            <a:schemeClr val="accent1">
+              <a:shade val="15000"/>
+            </a:schemeClr>
+          </a:lnRef>
+          <a:fillRef idx="1">
+            <a:schemeClr val="accent1"/>
+          </a:fillRef>
+          <a:effectRef idx="0">
+            <a:schemeClr val="accent1"/>
+          </a:effectRef>
+          <a:fontRef idx="minor">
+            <a:schemeClr val="lt1"/>
+          </a:fontRef>
+        </p:style>
+        <p:txBody>
+          <a:bodyPr vert="vert" rtlCol="0" anchor="ctr"/>
+          <a:lstStyle/>
+          <a:p>
+            <a:pPr algn="ctr"/>
+            <a:r>
+              <a:rPr lang="es-CO" sz="700" dirty="0">
+                <a:solidFill>
+                  <a:schemeClr val="tx1"/>
+                </a:solidFill>
+              </a:rPr>
+              <a:t>330</a:t>
+            </a:r>
+            <a:endParaRPr lang="es-CO" sz="1400" dirty="0">
+              <a:solidFill>
+                <a:schemeClr val="tx1"/>
+              </a:solidFill>
+            </a:endParaRPr>
+          </a:p>
+        </p:txBody>
+      </p:sp>
+      <p:sp>
+        <p:nvSpPr>
+          <p:cNvPr id="40" name="Rectángulo 39">
+            <a:extLst>
+              <a:ext uri="{FF2B5EF4-FFF2-40B4-BE49-F238E27FC236}">
+                <a16:creationId xmlns:a16="http://schemas.microsoft.com/office/drawing/2014/main" id="{5CD8F813-06E3-41CD-5092-962722A9B88C}"/>
+              </a:ext>
+            </a:extLst>
+          </p:cNvPr>
+          <p:cNvSpPr/>
+          <p:nvPr/>
+        </p:nvSpPr>
+        <p:spPr>
+          <a:xfrm rot="16200000">
+            <a:off x="4794172" y="2393011"/>
+            <a:ext cx="85562" cy="381677"/>
+          </a:xfrm>
+          <a:prstGeom prst="rect">
+            <a:avLst/>
+          </a:prstGeom>
+          <a:solidFill>
+            <a:schemeClr val="bg1"/>
+          </a:solidFill>
+          <a:ln w="28575"/>
+        </p:spPr>
+        <p:style>
+          <a:lnRef idx="2">
+            <a:schemeClr val="accent1">
+              <a:shade val="15000"/>
+            </a:schemeClr>
+          </a:lnRef>
+          <a:fillRef idx="1">
+            <a:schemeClr val="accent1"/>
+          </a:fillRef>
+          <a:effectRef idx="0">
+            <a:schemeClr val="accent1"/>
+          </a:effectRef>
+          <a:fontRef idx="minor">
+            <a:schemeClr val="lt1"/>
+          </a:fontRef>
+        </p:style>
+        <p:txBody>
+          <a:bodyPr vert="vert" rtlCol="0" anchor="ctr"/>
+          <a:lstStyle/>
+          <a:p>
+            <a:pPr algn="ctr"/>
+            <a:r>
+              <a:rPr lang="es-CO" sz="700" dirty="0">
+                <a:solidFill>
+                  <a:schemeClr val="tx1"/>
+                </a:solidFill>
+              </a:rPr>
+              <a:t>330</a:t>
+            </a:r>
+            <a:endParaRPr lang="es-CO" sz="1400" dirty="0">
+              <a:solidFill>
+                <a:schemeClr val="tx1"/>
+              </a:solidFill>
+            </a:endParaRPr>
+          </a:p>
+        </p:txBody>
+      </p:sp>
+      <p:sp>
+        <p:nvSpPr>
+          <p:cNvPr id="1030" name="CuadroTexto 1029">
+            <a:extLst>
+              <a:ext uri="{FF2B5EF4-FFF2-40B4-BE49-F238E27FC236}">
+                <a16:creationId xmlns:a16="http://schemas.microsoft.com/office/drawing/2014/main" id="{A667E90A-877B-2586-5ED7-A3CB30DEC4D9}"/>
+              </a:ext>
+            </a:extLst>
+          </p:cNvPr>
+          <p:cNvSpPr txBox="1"/>
+          <p:nvPr/>
+        </p:nvSpPr>
+        <p:spPr>
+          <a:xfrm rot="5400000">
+            <a:off x="3371991" y="2410675"/>
+            <a:ext cx="1015471" cy="369332"/>
+          </a:xfrm>
+          <a:prstGeom prst="rect">
+            <a:avLst/>
+          </a:prstGeom>
+          <a:noFill/>
+        </p:spPr>
+        <p:txBody>
+          <a:bodyPr wrap="none" rtlCol="0">
+            <a:spAutoFit/>
+          </a:bodyPr>
+          <a:lstStyle/>
+          <a:p>
+            <a:r>
+              <a:rPr lang="es-CO" dirty="0"/>
+              <a:t>PICO_W</a:t>
+            </a:r>
+          </a:p>
+        </p:txBody>
+      </p:sp>
+      <p:sp>
+        <p:nvSpPr>
+          <p:cNvPr id="1031" name="CuadroTexto 1030">
+            <a:extLst>
+              <a:ext uri="{FF2B5EF4-FFF2-40B4-BE49-F238E27FC236}">
+                <a16:creationId xmlns:a16="http://schemas.microsoft.com/office/drawing/2014/main" id="{30FAE876-3747-2A2E-E76C-664C3CE3DC0E}"/>
+              </a:ext>
+            </a:extLst>
+          </p:cNvPr>
+          <p:cNvSpPr txBox="1"/>
+          <p:nvPr/>
+        </p:nvSpPr>
+        <p:spPr>
+          <a:xfrm>
+            <a:off x="5444201" y="2731165"/>
+            <a:ext cx="474810" cy="200055"/>
+          </a:xfrm>
+          <a:prstGeom prst="rect">
+            <a:avLst/>
+          </a:prstGeom>
+          <a:noFill/>
+        </p:spPr>
+        <p:txBody>
+          <a:bodyPr wrap="none" rtlCol="0">
+            <a:spAutoFit/>
+          </a:bodyPr>
+          <a:lstStyle/>
+          <a:p>
+            <a:r>
+              <a:rPr lang="es-CO" sz="700" dirty="0"/>
+              <a:t>2n2222</a:t>
+            </a:r>
           </a:p>
         </p:txBody>
       </p:sp>
@@ -13319,4 +14699,319 @@
     </a:ext>
   </a:extLst>
 </a:theme>
+</file>
+
+<file path=ppt/theme/theme2.xml><?xml version="1.0" encoding="utf-8"?>
+<a:theme xmlns:a="http://schemas.openxmlformats.org/drawingml/2006/main" name="Tema de Office">
+  <a:themeElements>
+    <a:clrScheme name="Office">
+      <a:dk1>
+        <a:sysClr val="windowText" lastClr="000000"/>
+      </a:dk1>
+      <a:lt1>
+        <a:sysClr val="window" lastClr="FFFFFF"/>
+      </a:lt1>
+      <a:dk2>
+        <a:srgbClr val="0E2841"/>
+      </a:dk2>
+      <a:lt2>
+        <a:srgbClr val="E8E8E8"/>
+      </a:lt2>
+      <a:accent1>
+        <a:srgbClr val="156082"/>
+      </a:accent1>
+      <a:accent2>
+        <a:srgbClr val="E97132"/>
+      </a:accent2>
+      <a:accent3>
+        <a:srgbClr val="196B24"/>
+      </a:accent3>
+      <a:accent4>
+        <a:srgbClr val="0F9ED5"/>
+      </a:accent4>
+      <a:accent5>
+        <a:srgbClr val="A02B93"/>
+      </a:accent5>
+      <a:accent6>
+        <a:srgbClr val="4EA72E"/>
+      </a:accent6>
+      <a:hlink>
+        <a:srgbClr val="467886"/>
+      </a:hlink>
+      <a:folHlink>
+        <a:srgbClr val="96607D"/>
+      </a:folHlink>
+    </a:clrScheme>
+    <a:fontScheme name="Office">
+      <a:majorFont>
+        <a:latin typeface="Aptos Display" panose="02110004020202020204"/>
+        <a:ea typeface=""/>
+        <a:cs typeface=""/>
+        <a:font script="Jpan" typeface="游ゴシック Light"/>
+        <a:font script="Hang" typeface="맑은 고딕"/>
+        <a:font script="Hans" typeface="等线 Light"/>
+        <a:font script="Hant" typeface="新細明體"/>
+        <a:font script="Arab" typeface="Times New Roman"/>
+        <a:font script="Hebr" typeface="Times New Roman"/>
+        <a:font script="Thai" typeface="Angsana New"/>
+        <a:font script="Ethi" typeface="Nyala"/>
+        <a:font script="Beng" typeface="Vrinda"/>
+        <a:font script="Gujr" typeface="Shruti"/>
+        <a:font script="Khmr" typeface="MoolBoran"/>
+        <a:font script="Knda" typeface="Tunga"/>
+        <a:font script="Guru" typeface="Raavi"/>
+        <a:font script="Cans" typeface="Euphemia"/>
+        <a:font script="Cher" typeface="Plantagenet Cherokee"/>
+        <a:font script="Yiii" typeface="Microsoft Yi Baiti"/>
+        <a:font script="Tibt" typeface="Microsoft Himalaya"/>
+        <a:font script="Thaa" typeface="MV Boli"/>
+        <a:font script="Deva" typeface="Mangal"/>
+        <a:font script="Telu" typeface="Gautami"/>
+        <a:font script="Taml" typeface="Latha"/>
+        <a:font script="Syrc" typeface="Estrangelo Edessa"/>
+        <a:font script="Orya" typeface="Kalinga"/>
+        <a:font script="Mlym" typeface="Kartika"/>
+        <a:font script="Laoo" typeface="DokChampa"/>
+        <a:font script="Sinh" typeface="Iskoola Pota"/>
+        <a:font script="Mong" typeface="Mongolian Baiti"/>
+        <a:font script="Viet" typeface="Times New Roman"/>
+        <a:font script="Uigh" typeface="Microsoft Uighur"/>
+        <a:font script="Geor" typeface="Sylfaen"/>
+        <a:font script="Armn" typeface="Arial"/>
+        <a:font script="Bugi" typeface="Leelawadee UI"/>
+        <a:font script="Bopo" typeface="Microsoft JhengHei"/>
+        <a:font script="Java" typeface="Javanese Text"/>
+        <a:font script="Lisu" typeface="Segoe UI"/>
+        <a:font script="Mymr" typeface="Myanmar Text"/>
+        <a:font script="Nkoo" typeface="Ebrima"/>
+        <a:font script="Olck" typeface="Nirmala UI"/>
+        <a:font script="Osma" typeface="Ebrima"/>
+        <a:font script="Phag" typeface="Phagspa"/>
+        <a:font script="Syrn" typeface="Estrangelo Edessa"/>
+        <a:font script="Syrj" typeface="Estrangelo Edessa"/>
+        <a:font script="Syre" typeface="Estrangelo Edessa"/>
+        <a:font script="Sora" typeface="Nirmala UI"/>
+        <a:font script="Tale" typeface="Microsoft Tai Le"/>
+        <a:font script="Talu" typeface="Microsoft New Tai Lue"/>
+        <a:font script="Tfng" typeface="Ebrima"/>
+      </a:majorFont>
+      <a:minorFont>
+        <a:latin typeface="Aptos" panose="02110004020202020204"/>
+        <a:ea typeface=""/>
+        <a:cs typeface=""/>
+        <a:font script="Jpan" typeface="游ゴシック"/>
+        <a:font script="Hang" typeface="맑은 고딕"/>
+        <a:font script="Hans" typeface="等线"/>
+        <a:font script="Hant" typeface="新細明體"/>
+        <a:font script="Arab" typeface="Arial"/>
+        <a:font script="Hebr" typeface="Arial"/>
+        <a:font script="Thai" typeface="Cordia New"/>
+        <a:font script="Ethi" typeface="Nyala"/>
+        <a:font script="Beng" typeface="Vrinda"/>
+        <a:font script="Gujr" typeface="Shruti"/>
+        <a:font script="Khmr" typeface="DaunPenh"/>
+        <a:font script="Knda" typeface="Tunga"/>
+        <a:font script="Guru" typeface="Raavi"/>
+        <a:font script="Cans" typeface="Euphemia"/>
+        <a:font script="Cher" typeface="Plantagenet Cherokee"/>
+        <a:font script="Yiii" typeface="Microsoft Yi Baiti"/>
+        <a:font script="Tibt" typeface="Microsoft Himalaya"/>
+        <a:font script="Thaa" typeface="MV Boli"/>
+        <a:font script="Deva" typeface="Mangal"/>
+        <a:font script="Telu" typeface="Gautami"/>
+        <a:font script="Taml" typeface="Latha"/>
+        <a:font script="Syrc" typeface="Estrangelo Edessa"/>
+        <a:font script="Orya" typeface="Kalinga"/>
+        <a:font script="Mlym" typeface="Kartika"/>
+        <a:font script="Laoo" typeface="DokChampa"/>
+        <a:font script="Sinh" typeface="Iskoola Pota"/>
+        <a:font script="Mong" typeface="Mongolian Baiti"/>
+        <a:font script="Viet" typeface="Arial"/>
+        <a:font script="Uigh" typeface="Microsoft Uighur"/>
+        <a:font script="Geor" typeface="Sylfaen"/>
+        <a:font script="Armn" typeface="Arial"/>
+        <a:font script="Bugi" typeface="Leelawadee UI"/>
+        <a:font script="Bopo" typeface="Microsoft JhengHei"/>
+        <a:font script="Java" typeface="Javanese Text"/>
+        <a:font script="Lisu" typeface="Segoe UI"/>
+        <a:font script="Mymr" typeface="Myanmar Text"/>
+        <a:font script="Nkoo" typeface="Ebrima"/>
+        <a:font script="Olck" typeface="Nirmala UI"/>
+        <a:font script="Osma" typeface="Ebrima"/>
+        <a:font script="Phag" typeface="Phagspa"/>
+        <a:font script="Syrn" typeface="Estrangelo Edessa"/>
+        <a:font script="Syrj" typeface="Estrangelo Edessa"/>
+        <a:font script="Syre" typeface="Estrangelo Edessa"/>
+        <a:font script="Sora" typeface="Nirmala UI"/>
+        <a:font script="Tale" typeface="Microsoft Tai Le"/>
+        <a:font script="Talu" typeface="Microsoft New Tai Lue"/>
+        <a:font script="Tfng" typeface="Ebrima"/>
+      </a:minorFont>
+    </a:fontScheme>
+    <a:fmtScheme name="Office">
+      <a:fillStyleLst>
+        <a:solidFill>
+          <a:schemeClr val="phClr"/>
+        </a:solidFill>
+        <a:gradFill rotWithShape="1">
+          <a:gsLst>
+            <a:gs pos="0">
+              <a:schemeClr val="phClr">
+                <a:lumMod val="110000"/>
+                <a:satMod val="105000"/>
+                <a:tint val="67000"/>
+              </a:schemeClr>
+            </a:gs>
+            <a:gs pos="50000">
+              <a:schemeClr val="phClr">
+                <a:lumMod val="105000"/>
+                <a:satMod val="103000"/>
+                <a:tint val="73000"/>
+              </a:schemeClr>
+            </a:gs>
+            <a:gs pos="100000">
+              <a:schemeClr val="phClr">
+                <a:lumMod val="105000"/>
+                <a:satMod val="109000"/>
+                <a:tint val="81000"/>
+              </a:schemeClr>
+            </a:gs>
+          </a:gsLst>
+          <a:lin ang="5400000" scaled="0"/>
+        </a:gradFill>
+        <a:gradFill rotWithShape="1">
+          <a:gsLst>
+            <a:gs pos="0">
+              <a:schemeClr val="phClr">
+                <a:satMod val="103000"/>
+                <a:lumMod val="102000"/>
+                <a:tint val="94000"/>
+              </a:schemeClr>
+            </a:gs>
+            <a:gs pos="50000">
+              <a:schemeClr val="phClr">
+                <a:satMod val="110000"/>
+                <a:lumMod val="100000"/>
+                <a:shade val="100000"/>
+              </a:schemeClr>
+            </a:gs>
+            <a:gs pos="100000">
+              <a:schemeClr val="phClr">
+                <a:lumMod val="99000"/>
+                <a:satMod val="120000"/>
+                <a:shade val="78000"/>
+              </a:schemeClr>
+            </a:gs>
+          </a:gsLst>
+          <a:lin ang="5400000" scaled="0"/>
+        </a:gradFill>
+      </a:fillStyleLst>
+      <a:lnStyleLst>
+        <a:ln w="12700" cap="flat" cmpd="sng" algn="ctr">
+          <a:solidFill>
+            <a:schemeClr val="phClr"/>
+          </a:solidFill>
+          <a:prstDash val="solid"/>
+          <a:miter lim="800000"/>
+        </a:ln>
+        <a:ln w="19050" cap="flat" cmpd="sng" algn="ctr">
+          <a:solidFill>
+            <a:schemeClr val="phClr"/>
+          </a:solidFill>
+          <a:prstDash val="solid"/>
+          <a:miter lim="800000"/>
+        </a:ln>
+        <a:ln w="25400" cap="flat" cmpd="sng" algn="ctr">
+          <a:solidFill>
+            <a:schemeClr val="phClr"/>
+          </a:solidFill>
+          <a:prstDash val="solid"/>
+          <a:miter lim="800000"/>
+        </a:ln>
+      </a:lnStyleLst>
+      <a:effectStyleLst>
+        <a:effectStyle>
+          <a:effectLst/>
+        </a:effectStyle>
+        <a:effectStyle>
+          <a:effectLst/>
+        </a:effectStyle>
+        <a:effectStyle>
+          <a:effectLst>
+            <a:outerShdw blurRad="57150" dist="19050" dir="5400000" algn="ctr" rotWithShape="0">
+              <a:srgbClr val="000000">
+                <a:alpha val="63000"/>
+              </a:srgbClr>
+            </a:outerShdw>
+          </a:effectLst>
+        </a:effectStyle>
+      </a:effectStyleLst>
+      <a:bgFillStyleLst>
+        <a:solidFill>
+          <a:schemeClr val="phClr"/>
+        </a:solidFill>
+        <a:solidFill>
+          <a:schemeClr val="phClr">
+            <a:tint val="95000"/>
+            <a:satMod val="170000"/>
+          </a:schemeClr>
+        </a:solidFill>
+        <a:gradFill rotWithShape="1">
+          <a:gsLst>
+            <a:gs pos="0">
+              <a:schemeClr val="phClr">
+                <a:tint val="93000"/>
+                <a:satMod val="150000"/>
+                <a:shade val="98000"/>
+                <a:lumMod val="102000"/>
+              </a:schemeClr>
+            </a:gs>
+            <a:gs pos="50000">
+              <a:schemeClr val="phClr">
+                <a:tint val="98000"/>
+                <a:satMod val="130000"/>
+                <a:shade val="90000"/>
+                <a:lumMod val="103000"/>
+              </a:schemeClr>
+            </a:gs>
+            <a:gs pos="100000">
+              <a:schemeClr val="phClr">
+                <a:shade val="63000"/>
+                <a:satMod val="120000"/>
+              </a:schemeClr>
+            </a:gs>
+          </a:gsLst>
+          <a:lin ang="5400000" scaled="0"/>
+        </a:gradFill>
+      </a:bgFillStyleLst>
+    </a:fmtScheme>
+  </a:themeElements>
+  <a:objectDefaults>
+    <a:lnDef>
+      <a:spPr/>
+      <a:bodyPr/>
+      <a:lstStyle/>
+      <a:style>
+        <a:lnRef idx="2">
+          <a:schemeClr val="accent1"/>
+        </a:lnRef>
+        <a:fillRef idx="0">
+          <a:schemeClr val="accent1"/>
+        </a:fillRef>
+        <a:effectRef idx="1">
+          <a:schemeClr val="accent1"/>
+        </a:effectRef>
+        <a:fontRef idx="minor">
+          <a:schemeClr val="tx1"/>
+        </a:fontRef>
+      </a:style>
+    </a:lnDef>
+  </a:objectDefaults>
+  <a:extraClrSchemeLst/>
+  <a:extLst>
+    <a:ext uri="{05A4C25C-085E-4340-85A3-A5531E510DB2}">
+      <thm15:themeFamily xmlns:thm15="http://schemas.microsoft.com/office/thememl/2012/main" name="Office Theme" id="{2E142A2C-CD16-42D6-873A-C26D2A0506FA}" vid="{1BDDFF52-6CD6-40A5-AB3C-68EB2F1E4D0A}"/>
+    </a:ext>
+  </a:extLst>
+</a:theme>
 </file>